--- a/thesis/abs/CSN-PhamTheVinh-110122208-DA22TTC.pptx
+++ b/thesis/abs/CSN-PhamTheVinh-110122208-DA22TTC.pptx
@@ -5,7 +5,7 @@
     <p:sldMasterId id="2147483648" r:id="rId1"/>
   </p:sldMasterIdLst>
   <p:notesMasterIdLst>
-    <p:notesMasterId r:id="rId10"/>
+    <p:notesMasterId r:id="rId13"/>
   </p:notesMasterIdLst>
   <p:sldIdLst>
     <p:sldId id="256" r:id="rId2"/>
@@ -16,6 +16,9 @@
     <p:sldId id="261" r:id="rId7"/>
     <p:sldId id="262" r:id="rId8"/>
     <p:sldId id="263" r:id="rId9"/>
+    <p:sldId id="264" r:id="rId10"/>
+    <p:sldId id="265" r:id="rId11"/>
+    <p:sldId id="266" r:id="rId12"/>
   </p:sldIdLst>
   <p:sldSz cx="12192000" cy="6858000"/>
   <p:notesSz cx="6858000" cy="9144000"/>
@@ -114,6 +117,11 @@
       </a:defRPr>
     </a:lvl9pPr>
   </p:defaultTextStyle>
+  <p:extLst>
+    <p:ext uri="{EFAFB233-063F-42B5-8137-9DF3F51BA10A}">
+      <p15:sldGuideLst xmlns:p15="http://schemas.microsoft.com/office/powerpoint/2012/main"/>
+    </p:ext>
+  </p:extLst>
 </p:presentation>
 </file>
 
@@ -199,7 +207,7 @@
           <a:p>
             <a:fld id="{99DE3781-6464-4166-9117-F22CC446FEC6}" type="datetimeFigureOut">
               <a:rPr lang="vi-VN" smtClean="0"/>
-              <a:t>27/12/2024</a:t>
+              <a:t>29/12/2024</a:t>
             </a:fld>
             <a:endParaRPr lang="vi-VN"/>
           </a:p>
@@ -803,6 +811,258 @@
 </p:notes>
 </file>
 
+<file path=ppt/notesSlides/notesSlide5.xml><?xml version="1.0" encoding="utf-8"?>
+<p:notes xmlns:a="http://schemas.openxmlformats.org/drawingml/2006/main" xmlns:r="http://schemas.openxmlformats.org/officeDocument/2006/relationships" xmlns:p="http://schemas.openxmlformats.org/presentationml/2006/main">
+  <p:cSld>
+    <p:spTree>
+      <p:nvGrpSpPr>
+        <p:cNvPr id="1" name=""/>
+        <p:cNvGrpSpPr/>
+        <p:nvPr/>
+      </p:nvGrpSpPr>
+      <p:grpSpPr>
+        <a:xfrm>
+          <a:off x="0" y="0"/>
+          <a:ext cx="0" cy="0"/>
+          <a:chOff x="0" y="0"/>
+          <a:chExt cx="0" cy="0"/>
+        </a:xfrm>
+      </p:grpSpPr>
+      <p:sp>
+        <p:nvSpPr>
+          <p:cNvPr id="2" name="Slide Image Placeholder 1"/>
+          <p:cNvSpPr>
+            <a:spLocks noGrp="1" noRot="1" noChangeAspect="1"/>
+          </p:cNvSpPr>
+          <p:nvPr>
+            <p:ph type="sldImg"/>
+          </p:nvPr>
+        </p:nvSpPr>
+        <p:spPr/>
+      </p:sp>
+      <p:sp>
+        <p:nvSpPr>
+          <p:cNvPr id="3" name="Notes Placeholder 2"/>
+          <p:cNvSpPr>
+            <a:spLocks noGrp="1"/>
+          </p:cNvSpPr>
+          <p:nvPr>
+            <p:ph type="body" idx="1"/>
+          </p:nvPr>
+        </p:nvSpPr>
+        <p:spPr/>
+        <p:txBody>
+          <a:bodyPr/>
+          <a:lstStyle/>
+          <a:p>
+            <a:endParaRPr lang="vi-VN"/>
+          </a:p>
+        </p:txBody>
+      </p:sp>
+      <p:sp>
+        <p:nvSpPr>
+          <p:cNvPr id="4" name="Slide Number Placeholder 3"/>
+          <p:cNvSpPr>
+            <a:spLocks noGrp="1"/>
+          </p:cNvSpPr>
+          <p:nvPr>
+            <p:ph type="sldNum" sz="quarter" idx="10"/>
+          </p:nvPr>
+        </p:nvSpPr>
+        <p:spPr/>
+        <p:txBody>
+          <a:bodyPr/>
+          <a:lstStyle/>
+          <a:p>
+            <a:fld id="{A88C98BB-1832-4D33-8C46-1D1C10DE5E82}" type="slidenum">
+              <a:rPr lang="vi-VN" smtClean="0"/>
+              <a:t>9</a:t>
+            </a:fld>
+            <a:endParaRPr lang="vi-VN"/>
+          </a:p>
+        </p:txBody>
+      </p:sp>
+    </p:spTree>
+    <p:extLst>
+      <p:ext uri="{BB962C8B-B14F-4D97-AF65-F5344CB8AC3E}">
+        <p14:creationId xmlns:p14="http://schemas.microsoft.com/office/powerpoint/2010/main" val="1967169049"/>
+      </p:ext>
+    </p:extLst>
+  </p:cSld>
+  <p:clrMapOvr>
+    <a:masterClrMapping/>
+  </p:clrMapOvr>
+</p:notes>
+</file>
+
+<file path=ppt/notesSlides/notesSlide6.xml><?xml version="1.0" encoding="utf-8"?>
+<p:notes xmlns:a="http://schemas.openxmlformats.org/drawingml/2006/main" xmlns:r="http://schemas.openxmlformats.org/officeDocument/2006/relationships" xmlns:p="http://schemas.openxmlformats.org/presentationml/2006/main">
+  <p:cSld>
+    <p:spTree>
+      <p:nvGrpSpPr>
+        <p:cNvPr id="1" name=""/>
+        <p:cNvGrpSpPr/>
+        <p:nvPr/>
+      </p:nvGrpSpPr>
+      <p:grpSpPr>
+        <a:xfrm>
+          <a:off x="0" y="0"/>
+          <a:ext cx="0" cy="0"/>
+          <a:chOff x="0" y="0"/>
+          <a:chExt cx="0" cy="0"/>
+        </a:xfrm>
+      </p:grpSpPr>
+      <p:sp>
+        <p:nvSpPr>
+          <p:cNvPr id="2" name="Slide Image Placeholder 1"/>
+          <p:cNvSpPr>
+            <a:spLocks noGrp="1" noRot="1" noChangeAspect="1"/>
+          </p:cNvSpPr>
+          <p:nvPr>
+            <p:ph type="sldImg"/>
+          </p:nvPr>
+        </p:nvSpPr>
+        <p:spPr/>
+      </p:sp>
+      <p:sp>
+        <p:nvSpPr>
+          <p:cNvPr id="3" name="Notes Placeholder 2"/>
+          <p:cNvSpPr>
+            <a:spLocks noGrp="1"/>
+          </p:cNvSpPr>
+          <p:nvPr>
+            <p:ph type="body" idx="1"/>
+          </p:nvPr>
+        </p:nvSpPr>
+        <p:spPr/>
+        <p:txBody>
+          <a:bodyPr/>
+          <a:lstStyle/>
+          <a:p>
+            <a:endParaRPr lang="vi-VN"/>
+          </a:p>
+        </p:txBody>
+      </p:sp>
+      <p:sp>
+        <p:nvSpPr>
+          <p:cNvPr id="4" name="Slide Number Placeholder 3"/>
+          <p:cNvSpPr>
+            <a:spLocks noGrp="1"/>
+          </p:cNvSpPr>
+          <p:nvPr>
+            <p:ph type="sldNum" sz="quarter" idx="10"/>
+          </p:nvPr>
+        </p:nvSpPr>
+        <p:spPr/>
+        <p:txBody>
+          <a:bodyPr/>
+          <a:lstStyle/>
+          <a:p>
+            <a:fld id="{A88C98BB-1832-4D33-8C46-1D1C10DE5E82}" type="slidenum">
+              <a:rPr lang="vi-VN" smtClean="0"/>
+              <a:t>10</a:t>
+            </a:fld>
+            <a:endParaRPr lang="vi-VN"/>
+          </a:p>
+        </p:txBody>
+      </p:sp>
+    </p:spTree>
+    <p:extLst>
+      <p:ext uri="{BB962C8B-B14F-4D97-AF65-F5344CB8AC3E}">
+        <p14:creationId xmlns:p14="http://schemas.microsoft.com/office/powerpoint/2010/main" val="3324658480"/>
+      </p:ext>
+    </p:extLst>
+  </p:cSld>
+  <p:clrMapOvr>
+    <a:masterClrMapping/>
+  </p:clrMapOvr>
+</p:notes>
+</file>
+
+<file path=ppt/notesSlides/notesSlide7.xml><?xml version="1.0" encoding="utf-8"?>
+<p:notes xmlns:a="http://schemas.openxmlformats.org/drawingml/2006/main" xmlns:r="http://schemas.openxmlformats.org/officeDocument/2006/relationships" xmlns:p="http://schemas.openxmlformats.org/presentationml/2006/main">
+  <p:cSld>
+    <p:spTree>
+      <p:nvGrpSpPr>
+        <p:cNvPr id="1" name=""/>
+        <p:cNvGrpSpPr/>
+        <p:nvPr/>
+      </p:nvGrpSpPr>
+      <p:grpSpPr>
+        <a:xfrm>
+          <a:off x="0" y="0"/>
+          <a:ext cx="0" cy="0"/>
+          <a:chOff x="0" y="0"/>
+          <a:chExt cx="0" cy="0"/>
+        </a:xfrm>
+      </p:grpSpPr>
+      <p:sp>
+        <p:nvSpPr>
+          <p:cNvPr id="2" name="Slide Image Placeholder 1"/>
+          <p:cNvSpPr>
+            <a:spLocks noGrp="1" noRot="1" noChangeAspect="1"/>
+          </p:cNvSpPr>
+          <p:nvPr>
+            <p:ph type="sldImg"/>
+          </p:nvPr>
+        </p:nvSpPr>
+        <p:spPr/>
+      </p:sp>
+      <p:sp>
+        <p:nvSpPr>
+          <p:cNvPr id="3" name="Notes Placeholder 2"/>
+          <p:cNvSpPr>
+            <a:spLocks noGrp="1"/>
+          </p:cNvSpPr>
+          <p:nvPr>
+            <p:ph type="body" idx="1"/>
+          </p:nvPr>
+        </p:nvSpPr>
+        <p:spPr/>
+        <p:txBody>
+          <a:bodyPr/>
+          <a:lstStyle/>
+          <a:p>
+            <a:endParaRPr lang="vi-VN"/>
+          </a:p>
+        </p:txBody>
+      </p:sp>
+      <p:sp>
+        <p:nvSpPr>
+          <p:cNvPr id="4" name="Slide Number Placeholder 3"/>
+          <p:cNvSpPr>
+            <a:spLocks noGrp="1"/>
+          </p:cNvSpPr>
+          <p:nvPr>
+            <p:ph type="sldNum" sz="quarter" idx="10"/>
+          </p:nvPr>
+        </p:nvSpPr>
+        <p:spPr/>
+        <p:txBody>
+          <a:bodyPr/>
+          <a:lstStyle/>
+          <a:p>
+            <a:fld id="{A88C98BB-1832-4D33-8C46-1D1C10DE5E82}" type="slidenum">
+              <a:rPr lang="vi-VN" smtClean="0"/>
+              <a:t>11</a:t>
+            </a:fld>
+            <a:endParaRPr lang="vi-VN"/>
+          </a:p>
+        </p:txBody>
+      </p:sp>
+    </p:spTree>
+    <p:extLst>
+      <p:ext uri="{BB962C8B-B14F-4D97-AF65-F5344CB8AC3E}">
+        <p14:creationId xmlns:p14="http://schemas.microsoft.com/office/powerpoint/2010/main" val="2486067840"/>
+      </p:ext>
+    </p:extLst>
+  </p:cSld>
+  <p:clrMapOvr>
+    <a:masterClrMapping/>
+  </p:clrMapOvr>
+</p:notes>
+</file>
+
 <file path=ppt/slideLayouts/slideLayout1.xml><?xml version="1.0" encoding="utf-8"?>
 <p:sldLayout xmlns:a="http://schemas.openxmlformats.org/drawingml/2006/main" xmlns:r="http://schemas.openxmlformats.org/officeDocument/2006/relationships" xmlns:p="http://schemas.openxmlformats.org/presentationml/2006/main" type="title" preserve="1">
   <p:cSld name="Title Slide">
@@ -934,7 +1194,7 @@
           <a:p>
             <a:fld id="{9A41B56A-32E6-445F-B440-40B15412FE4E}" type="datetimeFigureOut">
               <a:rPr lang="vi-VN" smtClean="0"/>
-              <a:t>27/12/2024</a:t>
+              <a:t>29/12/2024</a:t>
             </a:fld>
             <a:endParaRPr lang="vi-VN"/>
           </a:p>
@@ -1104,7 +1364,7 @@
           <a:p>
             <a:fld id="{9A41B56A-32E6-445F-B440-40B15412FE4E}" type="datetimeFigureOut">
               <a:rPr lang="vi-VN" smtClean="0"/>
-              <a:t>27/12/2024</a:t>
+              <a:t>29/12/2024</a:t>
             </a:fld>
             <a:endParaRPr lang="vi-VN"/>
           </a:p>
@@ -1284,7 +1544,7 @@
           <a:p>
             <a:fld id="{9A41B56A-32E6-445F-B440-40B15412FE4E}" type="datetimeFigureOut">
               <a:rPr lang="vi-VN" smtClean="0"/>
-              <a:t>27/12/2024</a:t>
+              <a:t>29/12/2024</a:t>
             </a:fld>
             <a:endParaRPr lang="vi-VN"/>
           </a:p>
@@ -1454,7 +1714,7 @@
           <a:p>
             <a:fld id="{9A41B56A-32E6-445F-B440-40B15412FE4E}" type="datetimeFigureOut">
               <a:rPr lang="vi-VN" smtClean="0"/>
-              <a:t>27/12/2024</a:t>
+              <a:t>29/12/2024</a:t>
             </a:fld>
             <a:endParaRPr lang="vi-VN"/>
           </a:p>
@@ -1700,7 +1960,7 @@
           <a:p>
             <a:fld id="{9A41B56A-32E6-445F-B440-40B15412FE4E}" type="datetimeFigureOut">
               <a:rPr lang="vi-VN" smtClean="0"/>
-              <a:t>27/12/2024</a:t>
+              <a:t>29/12/2024</a:t>
             </a:fld>
             <a:endParaRPr lang="vi-VN"/>
           </a:p>
@@ -1932,7 +2192,7 @@
           <a:p>
             <a:fld id="{9A41B56A-32E6-445F-B440-40B15412FE4E}" type="datetimeFigureOut">
               <a:rPr lang="vi-VN" smtClean="0"/>
-              <a:t>27/12/2024</a:t>
+              <a:t>29/12/2024</a:t>
             </a:fld>
             <a:endParaRPr lang="vi-VN"/>
           </a:p>
@@ -2299,7 +2559,7 @@
           <a:p>
             <a:fld id="{9A41B56A-32E6-445F-B440-40B15412FE4E}" type="datetimeFigureOut">
               <a:rPr lang="vi-VN" smtClean="0"/>
-              <a:t>27/12/2024</a:t>
+              <a:t>29/12/2024</a:t>
             </a:fld>
             <a:endParaRPr lang="vi-VN"/>
           </a:p>
@@ -2417,7 +2677,7 @@
           <a:p>
             <a:fld id="{9A41B56A-32E6-445F-B440-40B15412FE4E}" type="datetimeFigureOut">
               <a:rPr lang="vi-VN" smtClean="0"/>
-              <a:t>27/12/2024</a:t>
+              <a:t>29/12/2024</a:t>
             </a:fld>
             <a:endParaRPr lang="vi-VN"/>
           </a:p>
@@ -2512,7 +2772,7 @@
           <a:p>
             <a:fld id="{9A41B56A-32E6-445F-B440-40B15412FE4E}" type="datetimeFigureOut">
               <a:rPr lang="vi-VN" smtClean="0"/>
-              <a:t>27/12/2024</a:t>
+              <a:t>29/12/2024</a:t>
             </a:fld>
             <a:endParaRPr lang="vi-VN"/>
           </a:p>
@@ -2789,7 +3049,7 @@
           <a:p>
             <a:fld id="{9A41B56A-32E6-445F-B440-40B15412FE4E}" type="datetimeFigureOut">
               <a:rPr lang="vi-VN" smtClean="0"/>
-              <a:t>27/12/2024</a:t>
+              <a:t>29/12/2024</a:t>
             </a:fld>
             <a:endParaRPr lang="vi-VN"/>
           </a:p>
@@ -3042,7 +3302,7 @@
           <a:p>
             <a:fld id="{9A41B56A-32E6-445F-B440-40B15412FE4E}" type="datetimeFigureOut">
               <a:rPr lang="vi-VN" smtClean="0"/>
-              <a:t>27/12/2024</a:t>
+              <a:t>29/12/2024</a:t>
             </a:fld>
             <a:endParaRPr lang="vi-VN"/>
           </a:p>
@@ -3264,7 +3524,7 @@
           <a:p>
             <a:fld id="{9A41B56A-32E6-445F-B440-40B15412FE4E}" type="datetimeFigureOut">
               <a:rPr lang="vi-VN" smtClean="0"/>
-              <a:t>27/12/2024</a:t>
+              <a:t>29/12/2024</a:t>
             </a:fld>
             <a:endParaRPr lang="vi-VN"/>
           </a:p>
@@ -3709,11 +3969,7 @@
             </a:br>
             <a:r>
               <a:rPr lang="en-US" sz="2800" b="1"/>
-              <a:t>HỌC KỲ I, NĂM HỌC 2024 </a:t>
-            </a:r>
-            <a:r>
-              <a:rPr lang="en-US" sz="2800" b="1"/>
-              <a:t>- </a:t>
+              <a:t>HỌC KỲ I, NĂM HỌC 2024 - </a:t>
             </a:r>
             <a:r>
               <a:rPr lang="en-US" sz="2800" b="1" smtClean="0"/>
@@ -3774,11 +4030,7 @@
             </a:pPr>
             <a:r>
               <a:rPr lang="en-US"/>
-              <a:t>TS. Nguyễn Trần </a:t>
-            </a:r>
-            <a:r>
-              <a:rPr lang="en-US"/>
-              <a:t>Diễm </a:t>
+              <a:t>TS. Nguyễn Trần Diễm </a:t>
             </a:r>
             <a:r>
               <a:rPr lang="en-US" smtClean="0"/>
@@ -3922,7 +4174,7 @@
         </p:blipFill>
         <p:spPr bwMode="auto">
           <a:xfrm>
-            <a:off x="1796376" y="373141"/>
+            <a:off x="624000" y="310719"/>
             <a:ext cx="900000" cy="900000"/>
           </a:xfrm>
           <a:prstGeom prst="ellipse">
@@ -3986,11 +4238,7 @@
             <a:pPr algn="ctr"/>
             <a:r>
               <a:rPr lang="en-US" sz="2800" b="1"/>
-              <a:t>BỘ MÔN CÔNG NGHỆ </a:t>
-            </a:r>
-            <a:r>
-              <a:rPr lang="en-US" sz="2800" b="1"/>
-              <a:t>THÔNG </a:t>
+              <a:t>BỘ MÔN CÔNG NGHỆ THÔNG </a:t>
             </a:r>
             <a:r>
               <a:rPr lang="en-US" sz="2800" b="1" smtClean="0"/>
@@ -4073,6 +4321,255 @@
     <p:extLst>
       <p:ext uri="{BB962C8B-B14F-4D97-AF65-F5344CB8AC3E}">
         <p14:creationId xmlns:p14="http://schemas.microsoft.com/office/powerpoint/2010/main" val="2551105171"/>
+      </p:ext>
+    </p:extLst>
+  </p:cSld>
+  <p:clrMapOvr>
+    <a:masterClrMapping/>
+  </p:clrMapOvr>
+  <p:timing>
+    <p:tnLst>
+      <p:par>
+        <p:cTn id="1" dur="indefinite" restart="never" nodeType="tmRoot"/>
+      </p:par>
+    </p:tnLst>
+  </p:timing>
+</p:sld>
+</file>
+
+<file path=ppt/slides/slide10.xml><?xml version="1.0" encoding="utf-8"?>
+<p:sld xmlns:a="http://schemas.openxmlformats.org/drawingml/2006/main" xmlns:r="http://schemas.openxmlformats.org/officeDocument/2006/relationships" xmlns:p="http://schemas.openxmlformats.org/presentationml/2006/main">
+  <p:cSld>
+    <p:spTree>
+      <p:nvGrpSpPr>
+        <p:cNvPr id="1" name=""/>
+        <p:cNvGrpSpPr/>
+        <p:nvPr/>
+      </p:nvGrpSpPr>
+      <p:grpSpPr>
+        <a:xfrm>
+          <a:off x="0" y="0"/>
+          <a:ext cx="0" cy="0"/>
+          <a:chOff x="0" y="0"/>
+          <a:chExt cx="0" cy="0"/>
+        </a:xfrm>
+      </p:grpSpPr>
+      <p:sp>
+        <p:nvSpPr>
+          <p:cNvPr id="2" name="Title 1"/>
+          <p:cNvSpPr>
+            <a:spLocks noGrp="1"/>
+          </p:cNvSpPr>
+          <p:nvPr>
+            <p:ph type="title"/>
+          </p:nvPr>
+        </p:nvSpPr>
+        <p:spPr/>
+        <p:txBody>
+          <a:bodyPr>
+            <a:normAutofit/>
+          </a:bodyPr>
+          <a:lstStyle/>
+          <a:p>
+            <a:pPr algn="ctr">
+              <a:lnSpc>
+                <a:spcPct val="100000"/>
+              </a:lnSpc>
+              <a:spcBef>
+                <a:spcPts val="0"/>
+              </a:spcBef>
+            </a:pPr>
+            <a:r>
+              <a:rPr lang="en-US" sz="4000" b="1" smtClean="0"/>
+              <a:t>KẾT LUẬN VÀ HƯỚNG PHÁT TRIỂN</a:t>
+            </a:r>
+            <a:endParaRPr lang="vi-VN" sz="4000" b="1"/>
+          </a:p>
+        </p:txBody>
+      </p:sp>
+      <p:sp>
+        <p:nvSpPr>
+          <p:cNvPr id="12" name="Content Placeholder 11"/>
+          <p:cNvSpPr>
+            <a:spLocks noGrp="1"/>
+          </p:cNvSpPr>
+          <p:nvPr>
+            <p:ph idx="1"/>
+          </p:nvPr>
+        </p:nvSpPr>
+        <p:spPr>
+          <a:xfrm>
+            <a:off x="838200" y="1825624"/>
+            <a:ext cx="10515600" cy="4964282"/>
+          </a:xfrm>
+        </p:spPr>
+        <p:txBody>
+          <a:bodyPr>
+            <a:normAutofit/>
+          </a:bodyPr>
+          <a:lstStyle/>
+          <a:p>
+            <a:pPr>
+              <a:buFont typeface="Wingdings" panose="05000000000000000000" pitchFamily="2" charset="2"/>
+              <a:buChar char="q"/>
+            </a:pPr>
+            <a:r>
+              <a:rPr lang="vi-VN" smtClean="0"/>
+              <a:t> </a:t>
+            </a:r>
+            <a:r>
+              <a:rPr lang="vi-VN" b="1" smtClean="0"/>
+              <a:t>Hướng phát triển</a:t>
+            </a:r>
+            <a:endParaRPr lang="vi-VN" b="1" smtClean="0"/>
+          </a:p>
+          <a:p>
+            <a:pPr marL="673200" indent="-457200">
+              <a:lnSpc>
+                <a:spcPct val="150000"/>
+              </a:lnSpc>
+              <a:spcBef>
+                <a:spcPts val="0"/>
+              </a:spcBef>
+              <a:buFont typeface="Wingdings" panose="05000000000000000000" pitchFamily="2" charset="2"/>
+              <a:buChar char="ü"/>
+            </a:pPr>
+            <a:r>
+              <a:rPr lang="vi-VN" sz="3000" smtClean="0"/>
+              <a:t>Chuyển sang giao diện đồ họa</a:t>
+            </a:r>
+          </a:p>
+          <a:p>
+            <a:pPr marL="673200" indent="-457200">
+              <a:lnSpc>
+                <a:spcPct val="150000"/>
+              </a:lnSpc>
+              <a:spcBef>
+                <a:spcPts val="0"/>
+              </a:spcBef>
+              <a:buFont typeface="Wingdings" panose="05000000000000000000" pitchFamily="2" charset="2"/>
+              <a:buChar char="ü"/>
+            </a:pPr>
+            <a:r>
+              <a:rPr lang="vi-VN" sz="3000" smtClean="0"/>
+              <a:t>Lưu trữ thông tin vào cơ sở dữ liệu</a:t>
+            </a:r>
+            <a:endParaRPr lang="vi-VN" sz="3000"/>
+          </a:p>
+          <a:p>
+            <a:pPr marL="673200" indent="-457200">
+              <a:lnSpc>
+                <a:spcPct val="150000"/>
+              </a:lnSpc>
+              <a:spcBef>
+                <a:spcPts val="0"/>
+              </a:spcBef>
+              <a:buFont typeface="Wingdings" panose="05000000000000000000" pitchFamily="2" charset="2"/>
+              <a:buChar char="ü"/>
+            </a:pPr>
+            <a:r>
+              <a:rPr lang="vi-VN" sz="3000" smtClean="0"/>
+              <a:t>Bổ sung tính năng tìm kiếm nâng cao </a:t>
+            </a:r>
+            <a:endParaRPr lang="vi-VN" sz="3000"/>
+          </a:p>
+          <a:p>
+            <a:pPr marL="673200" indent="-457200">
+              <a:lnSpc>
+                <a:spcPct val="150000"/>
+              </a:lnSpc>
+              <a:spcBef>
+                <a:spcPts val="0"/>
+              </a:spcBef>
+              <a:buFont typeface="Wingdings" panose="05000000000000000000" pitchFamily="2" charset="2"/>
+              <a:buChar char="ü"/>
+            </a:pPr>
+            <a:r>
+              <a:rPr lang="vi-VN" sz="3000" smtClean="0"/>
+              <a:t>Phát triển chức năng nhắc nhở và thông báo</a:t>
+            </a:r>
+          </a:p>
+        </p:txBody>
+      </p:sp>
+    </p:spTree>
+    <p:extLst>
+      <p:ext uri="{BB962C8B-B14F-4D97-AF65-F5344CB8AC3E}">
+        <p14:creationId xmlns:p14="http://schemas.microsoft.com/office/powerpoint/2010/main" val="2617172824"/>
+      </p:ext>
+    </p:extLst>
+  </p:cSld>
+  <p:clrMapOvr>
+    <a:masterClrMapping/>
+  </p:clrMapOvr>
+  <p:timing>
+    <p:tnLst>
+      <p:par>
+        <p:cTn id="1" dur="indefinite" restart="never" nodeType="tmRoot"/>
+      </p:par>
+    </p:tnLst>
+  </p:timing>
+</p:sld>
+</file>
+
+<file path=ppt/slides/slide11.xml><?xml version="1.0" encoding="utf-8"?>
+<p:sld xmlns:a="http://schemas.openxmlformats.org/drawingml/2006/main" xmlns:r="http://schemas.openxmlformats.org/officeDocument/2006/relationships" xmlns:p="http://schemas.openxmlformats.org/presentationml/2006/main">
+  <p:cSld>
+    <p:spTree>
+      <p:nvGrpSpPr>
+        <p:cNvPr id="1" name=""/>
+        <p:cNvGrpSpPr/>
+        <p:nvPr/>
+      </p:nvGrpSpPr>
+      <p:grpSpPr>
+        <a:xfrm>
+          <a:off x="0" y="0"/>
+          <a:ext cx="0" cy="0"/>
+          <a:chOff x="0" y="0"/>
+          <a:chExt cx="0" cy="0"/>
+        </a:xfrm>
+      </p:grpSpPr>
+      <p:sp>
+        <p:nvSpPr>
+          <p:cNvPr id="2" name="Title 1"/>
+          <p:cNvSpPr>
+            <a:spLocks noGrp="1"/>
+          </p:cNvSpPr>
+          <p:nvPr>
+            <p:ph type="title"/>
+          </p:nvPr>
+        </p:nvSpPr>
+        <p:spPr>
+          <a:xfrm>
+            <a:off x="0" y="2573304"/>
+            <a:ext cx="12192000" cy="1325563"/>
+          </a:xfrm>
+        </p:spPr>
+        <p:txBody>
+          <a:bodyPr>
+            <a:normAutofit/>
+          </a:bodyPr>
+          <a:lstStyle/>
+          <a:p>
+            <a:pPr algn="ctr">
+              <a:lnSpc>
+                <a:spcPct val="100000"/>
+              </a:lnSpc>
+              <a:spcBef>
+                <a:spcPts val="0"/>
+              </a:spcBef>
+            </a:pPr>
+            <a:r>
+              <a:rPr lang="en-US" sz="4800" b="1" smtClean="0"/>
+              <a:t>Xin chân thành cảm ơn!</a:t>
+            </a:r>
+            <a:endParaRPr lang="vi-VN" sz="4800" b="1"/>
+          </a:p>
+        </p:txBody>
+      </p:sp>
+    </p:spTree>
+    <p:extLst>
+      <p:ext uri="{BB962C8B-B14F-4D97-AF65-F5344CB8AC3E}">
+        <p14:creationId xmlns:p14="http://schemas.microsoft.com/office/powerpoint/2010/main" val="4270551029"/>
       </p:ext>
     </p:extLst>
   </p:cSld>
@@ -4123,7 +4620,11 @@
           </a:bodyPr>
           <a:lstStyle/>
           <a:p>
-            <a:pPr algn="ctr"/>
+            <a:pPr algn="ctr">
+              <a:lnSpc>
+                <a:spcPct val="100000"/>
+              </a:lnSpc>
+            </a:pPr>
             <a:r>
               <a:rPr lang="en-US" sz="4000" b="1" smtClean="0"/>
               <a:t>NỘI DUNG</a:t>
@@ -4199,11 +4700,7 @@
             </a:pPr>
             <a:r>
               <a:rPr lang="en-US" sz="3000" smtClean="0"/>
-              <a:t>Mô hình và kết quả </a:t>
-            </a:r>
-            <a:r>
-              <a:rPr lang="en-US" sz="3000" smtClean="0"/>
-              <a:t>nghiên cứu</a:t>
+              <a:t>Mô hình và kết quả nghiên cứu</a:t>
             </a:r>
           </a:p>
           <a:p>
@@ -4309,7 +4806,11 @@
           </a:bodyPr>
           <a:lstStyle/>
           <a:p>
-            <a:pPr algn="ctr"/>
+            <a:pPr algn="ctr">
+              <a:lnSpc>
+                <a:spcPct val="100000"/>
+              </a:lnSpc>
+            </a:pPr>
             <a:r>
               <a:rPr lang="en-US" sz="4000" b="1" smtClean="0"/>
               <a:t>TỔNG QUAN ĐỀ TÀI</a:t>
@@ -4505,7 +5006,11 @@
           </a:bodyPr>
           <a:lstStyle/>
           <a:p>
-            <a:pPr algn="ctr"/>
+            <a:pPr algn="ctr">
+              <a:lnSpc>
+                <a:spcPct val="100000"/>
+              </a:lnSpc>
+            </a:pPr>
             <a:r>
               <a:rPr lang="en-US" sz="4000" b="1" smtClean="0"/>
               <a:t>TỔNG QUAN ĐỀ TÀI</a:t>
@@ -4564,11 +5069,7 @@
             </a:pPr>
             <a:r>
               <a:rPr lang="en-US" sz="3000"/>
-              <a:t>Quản lý danh </a:t>
-            </a:r>
-            <a:r>
-              <a:rPr lang="en-US" sz="3000"/>
-              <a:t>mục </a:t>
+              <a:t>Quản lý danh mục </a:t>
             </a:r>
             <a:r>
               <a:rPr lang="en-US" sz="3000" smtClean="0"/>
@@ -4576,11 +5077,7 @@
             </a:r>
             <a:r>
               <a:rPr lang="en-US" sz="3000"/>
-              <a:t>các </a:t>
-            </a:r>
-            <a:r>
-              <a:rPr lang="en-US" sz="3000"/>
-              <a:t>sản </a:t>
+              <a:t>các sản </a:t>
             </a:r>
             <a:r>
               <a:rPr lang="en-US" sz="3000" smtClean="0"/>
@@ -4601,11 +5098,7 @@
             </a:pPr>
             <a:r>
               <a:rPr lang="en-US" sz="3000"/>
-              <a:t>Quản lý </a:t>
-            </a:r>
-            <a:r>
-              <a:rPr lang="en-US" sz="3000"/>
-              <a:t>danh </a:t>
+              <a:t>Quản lý danh </a:t>
             </a:r>
             <a:r>
               <a:rPr lang="en-US" sz="3000" smtClean="0"/>
@@ -4637,11 +5130,7 @@
             </a:r>
             <a:r>
               <a:rPr lang="en-US" sz="3000"/>
-              <a:t>lý danh mục thành </a:t>
-            </a:r>
-            <a:r>
-              <a:rPr lang="en-US" sz="3000"/>
-              <a:t>phần </a:t>
+              <a:t>lý danh mục thành phần </a:t>
             </a:r>
             <a:r>
               <a:rPr lang="en-US" sz="3000" smtClean="0"/>
@@ -4666,11 +5155,7 @@
             </a:pPr>
             <a:r>
               <a:rPr lang="en-US" sz="3000"/>
-              <a:t>Quản lý danh </a:t>
-            </a:r>
-            <a:r>
-              <a:rPr lang="en-US" sz="3000"/>
-              <a:t>mục </a:t>
+              <a:t>Quản lý danh mục </a:t>
             </a:r>
             <a:r>
               <a:rPr lang="en-US" sz="3000" smtClean="0"/>
@@ -4678,11 +5163,7 @@
             </a:r>
             <a:r>
               <a:rPr lang="en-US" sz="3000"/>
-              <a:t>dụng của từng </a:t>
-            </a:r>
-            <a:r>
-              <a:rPr lang="en-US" sz="3000"/>
-              <a:t>sản </a:t>
+              <a:t>dụng của từng sản </a:t>
             </a:r>
             <a:r>
               <a:rPr lang="en-US" sz="3000" smtClean="0"/>
@@ -4703,11 +5184,7 @@
             </a:pPr>
             <a:r>
               <a:rPr lang="en-US" sz="3000"/>
-              <a:t>Quản lý danh </a:t>
-            </a:r>
-            <a:r>
-              <a:rPr lang="en-US" sz="3000"/>
-              <a:t>mục </a:t>
+              <a:t>Quản lý danh mục </a:t>
             </a:r>
             <a:r>
               <a:rPr lang="en-US" sz="3000" smtClean="0"/>
@@ -4740,11 +5217,7 @@
             </a:pPr>
             <a:r>
               <a:rPr lang="en-US" sz="3000"/>
-              <a:t>Quản lý danh mục thương </a:t>
-            </a:r>
-            <a:r>
-              <a:rPr lang="en-US" sz="3000"/>
-              <a:t>hiệu </a:t>
+              <a:t>Quản lý danh mục thương hiệu </a:t>
             </a:r>
             <a:r>
               <a:rPr lang="en-US" sz="3000" smtClean="0"/>
@@ -4752,11 +5225,7 @@
             </a:r>
             <a:r>
               <a:rPr lang="en-US" sz="3000"/>
-              <a:t>sản xuất </a:t>
-            </a:r>
-            <a:r>
-              <a:rPr lang="en-US" sz="3000"/>
-              <a:t>sản </a:t>
+              <a:t>sản xuất sản </a:t>
             </a:r>
             <a:r>
               <a:rPr lang="en-US" sz="3000" smtClean="0"/>
@@ -4813,14 +5282,23 @@
             <p:ph type="title"/>
           </p:nvPr>
         </p:nvSpPr>
-        <p:spPr/>
+        <p:spPr>
+          <a:xfrm>
+            <a:off x="838200" y="306760"/>
+            <a:ext cx="10515600" cy="1325563"/>
+          </a:xfrm>
+        </p:spPr>
         <p:txBody>
           <a:bodyPr>
             <a:normAutofit/>
           </a:bodyPr>
           <a:lstStyle/>
           <a:p>
-            <a:pPr algn="ctr"/>
+            <a:pPr algn="ctr">
+              <a:lnSpc>
+                <a:spcPct val="100000"/>
+              </a:lnSpc>
+            </a:pPr>
             <a:r>
               <a:rPr lang="en-US" sz="4000" b="1" smtClean="0"/>
               <a:t>PHƯƠNG PHÁP THỰC HIỆN</a:t>
@@ -4967,7 +5445,11 @@
           </a:bodyPr>
           <a:lstStyle/>
           <a:p>
-            <a:pPr algn="ctr"/>
+            <a:pPr algn="ctr">
+              <a:lnSpc>
+                <a:spcPct val="100000"/>
+              </a:lnSpc>
+            </a:pPr>
             <a:r>
               <a:rPr lang="en-US" sz="4000" b="1" smtClean="0"/>
               <a:t>MÔ HÌNH VÀ KẾT QUẢ NGHIÊN CỨU</a:t>
@@ -5094,7 +5576,11 @@
           </a:bodyPr>
           <a:lstStyle/>
           <a:p>
-            <a:pPr algn="ctr"/>
+            <a:pPr algn="ctr">
+              <a:lnSpc>
+                <a:spcPct val="100000"/>
+              </a:lnSpc>
+            </a:pPr>
             <a:r>
               <a:rPr lang="en-US" sz="4000" b="1" smtClean="0"/>
               <a:t>MÔ HÌNH VÀ KẾT QUẢ NGHIÊN CỨU</a:t>
@@ -5221,7 +5707,11 @@
           </a:bodyPr>
           <a:lstStyle/>
           <a:p>
-            <a:pPr algn="ctr"/>
+            <a:pPr algn="ctr">
+              <a:lnSpc>
+                <a:spcPct val="100000"/>
+              </a:lnSpc>
+            </a:pPr>
             <a:r>
               <a:rPr lang="en-US" sz="4000" b="1" smtClean="0"/>
               <a:t>MÔ HÌNH VÀ KẾT QUẢ NGHIÊN CỨU</a:t>
@@ -5255,18 +5745,334 @@
             </a:r>
             <a:r>
               <a:rPr lang="vi-VN" b="1" smtClean="0"/>
-              <a:t>Kết quả nghiên cứu</a:t>
-            </a:r>
-            <a:endParaRPr lang="vi-VN" b="1"/>
-          </a:p>
+              <a:t>Kết quả nghiên </a:t>
+            </a:r>
+            <a:r>
+              <a:rPr lang="vi-VN" b="1" smtClean="0"/>
+              <a:t>cứu</a:t>
+            </a:r>
+          </a:p>
+          <a:p>
+            <a:pPr marL="673200" indent="-457200">
+              <a:lnSpc>
+                <a:spcPct val="150000"/>
+              </a:lnSpc>
+              <a:spcBef>
+                <a:spcPts val="0"/>
+              </a:spcBef>
+              <a:buFont typeface="Wingdings" panose="05000000000000000000" pitchFamily="2" charset="2"/>
+              <a:buChar char="ü"/>
+            </a:pPr>
+            <a:r>
+              <a:rPr lang="vi-VN" sz="3000"/>
+              <a:t>Ứng dụng ngôn ngữ C# và .Net </a:t>
+            </a:r>
+            <a:r>
+              <a:rPr lang="vi-VN" sz="3000"/>
+              <a:t>Framework </a:t>
+            </a:r>
+            <a:r>
+              <a:rPr lang="vi-VN" sz="3000" smtClean="0"/>
+              <a:t>trên nền OOP</a:t>
+            </a:r>
+          </a:p>
+          <a:p>
+            <a:pPr marL="673200" indent="-457200">
+              <a:lnSpc>
+                <a:spcPct val="150000"/>
+              </a:lnSpc>
+              <a:spcBef>
+                <a:spcPts val="0"/>
+              </a:spcBef>
+              <a:buFont typeface="Wingdings" panose="05000000000000000000" pitchFamily="2" charset="2"/>
+              <a:buChar char="ü"/>
+            </a:pPr>
+            <a:r>
+              <a:rPr lang="vi-VN" sz="3000" smtClean="0"/>
+              <a:t>Xây </a:t>
+            </a:r>
+            <a:r>
+              <a:rPr lang="vi-VN" sz="3000"/>
+              <a:t>dựng thành công </a:t>
+            </a:r>
+            <a:r>
+              <a:rPr lang="vi-VN" sz="3000"/>
+              <a:t>ứng </a:t>
+            </a:r>
+            <a:r>
+              <a:rPr lang="vi-VN" sz="3000" smtClean="0"/>
+              <a:t>dụng giao diện Console</a:t>
+            </a:r>
+            <a:endParaRPr lang="vi-VN" sz="3000"/>
+          </a:p>
+          <a:p>
+            <a:pPr marL="673200" indent="-457200">
+              <a:lnSpc>
+                <a:spcPct val="150000"/>
+              </a:lnSpc>
+              <a:spcBef>
+                <a:spcPts val="0"/>
+              </a:spcBef>
+              <a:buFont typeface="Wingdings" panose="05000000000000000000" pitchFamily="2" charset="2"/>
+              <a:buChar char="ü"/>
+            </a:pPr>
+            <a:r>
+              <a:rPr lang="vi-VN" sz="3000"/>
+              <a:t>Giải </a:t>
+            </a:r>
+            <a:r>
+              <a:rPr lang="vi-VN" sz="3000" smtClean="0"/>
+              <a:t>quyết các </a:t>
+            </a:r>
+            <a:r>
+              <a:rPr lang="vi-VN" sz="3000"/>
+              <a:t>yêu cầu </a:t>
+            </a:r>
+            <a:r>
+              <a:rPr lang="vi-VN" sz="3000"/>
+              <a:t>chức </a:t>
+            </a:r>
+            <a:r>
+              <a:rPr lang="vi-VN" sz="3000" smtClean="0"/>
+              <a:t>năng đã đặt ra</a:t>
+            </a:r>
+          </a:p>
+          <a:p>
+            <a:pPr marL="673200" indent="-457200">
+              <a:lnSpc>
+                <a:spcPct val="150000"/>
+              </a:lnSpc>
+              <a:spcBef>
+                <a:spcPts val="0"/>
+              </a:spcBef>
+              <a:buFont typeface="Wingdings" panose="05000000000000000000" pitchFamily="2" charset="2"/>
+              <a:buChar char="ü"/>
+            </a:pPr>
+            <a:r>
+              <a:rPr lang="vi-VN" sz="3000" smtClean="0"/>
+              <a:t>Tích lũy kỹ năng và kinh nghiệp lập trình</a:t>
+            </a:r>
+            <a:endParaRPr lang="vi-VN" sz="3000"/>
+          </a:p>
+          <a:p>
+            <a:pPr marL="673200" indent="-457200">
+              <a:lnSpc>
+                <a:spcPct val="150000"/>
+              </a:lnSpc>
+              <a:spcBef>
+                <a:spcPts val="0"/>
+              </a:spcBef>
+              <a:buFont typeface="Wingdings" panose="05000000000000000000" pitchFamily="2" charset="2"/>
+              <a:buChar char="ü"/>
+            </a:pPr>
+            <a:endParaRPr lang="vi-VN" sz="3000" smtClean="0"/>
+          </a:p>
+        </p:txBody>
+      </p:sp>
+    </p:spTree>
+    <p:extLst>
+      <p:ext uri="{BB962C8B-B14F-4D97-AF65-F5344CB8AC3E}">
+        <p14:creationId xmlns:p14="http://schemas.microsoft.com/office/powerpoint/2010/main" val="1695831539"/>
+      </p:ext>
+    </p:extLst>
+  </p:cSld>
+  <p:clrMapOvr>
+    <a:masterClrMapping/>
+  </p:clrMapOvr>
+  <p:timing>
+    <p:tnLst>
+      <p:par>
+        <p:cTn id="1" dur="indefinite" restart="never" nodeType="tmRoot"/>
+      </p:par>
+    </p:tnLst>
+  </p:timing>
+</p:sld>
+</file>
+
+<file path=ppt/slides/slide9.xml><?xml version="1.0" encoding="utf-8"?>
+<p:sld xmlns:a="http://schemas.openxmlformats.org/drawingml/2006/main" xmlns:r="http://schemas.openxmlformats.org/officeDocument/2006/relationships" xmlns:p="http://schemas.openxmlformats.org/presentationml/2006/main">
+  <p:cSld>
+    <p:spTree>
+      <p:nvGrpSpPr>
+        <p:cNvPr id="1" name=""/>
+        <p:cNvGrpSpPr/>
+        <p:nvPr/>
+      </p:nvGrpSpPr>
+      <p:grpSpPr>
+        <a:xfrm>
+          <a:off x="0" y="0"/>
+          <a:ext cx="0" cy="0"/>
+          <a:chOff x="0" y="0"/>
+          <a:chExt cx="0" cy="0"/>
+        </a:xfrm>
+      </p:grpSpPr>
+      <p:sp>
+        <p:nvSpPr>
+          <p:cNvPr id="2" name="Title 1"/>
+          <p:cNvSpPr>
+            <a:spLocks noGrp="1"/>
+          </p:cNvSpPr>
+          <p:nvPr>
+            <p:ph type="title"/>
+          </p:nvPr>
+        </p:nvSpPr>
+        <p:spPr/>
+        <p:txBody>
+          <a:bodyPr>
+            <a:normAutofit/>
+          </a:bodyPr>
+          <a:lstStyle/>
+          <a:p>
+            <a:pPr algn="ctr">
+              <a:lnSpc>
+                <a:spcPct val="100000"/>
+              </a:lnSpc>
+              <a:spcBef>
+                <a:spcPts val="0"/>
+              </a:spcBef>
+            </a:pPr>
+            <a:r>
+              <a:rPr lang="en-US" sz="4000" b="1" smtClean="0"/>
+              <a:t>KẾT LUẬN VÀ HƯỚNG PHÁT TRIỂN</a:t>
+            </a:r>
+            <a:endParaRPr lang="vi-VN" sz="4000" b="1"/>
+          </a:p>
+        </p:txBody>
+      </p:sp>
+      <p:sp>
+        <p:nvSpPr>
+          <p:cNvPr id="12" name="Content Placeholder 11"/>
+          <p:cNvSpPr>
+            <a:spLocks noGrp="1"/>
+          </p:cNvSpPr>
+          <p:nvPr>
+            <p:ph idx="1"/>
+          </p:nvPr>
+        </p:nvSpPr>
+        <p:spPr>
+          <a:xfrm>
+            <a:off x="838200" y="1825624"/>
+            <a:ext cx="10515600" cy="4964282"/>
+          </a:xfrm>
+        </p:spPr>
+        <p:txBody>
+          <a:bodyPr>
+            <a:normAutofit/>
+          </a:bodyPr>
+          <a:lstStyle/>
           <a:p>
             <a:pPr>
               <a:buFont typeface="Wingdings" panose="05000000000000000000" pitchFamily="2" charset="2"/>
               <a:buChar char="q"/>
             </a:pPr>
             <a:r>
-              <a:rPr lang="vi-VN" sz="3000" b="1" smtClean="0"/>
-              <a:t>Xây dựng thành công ứng dụng</a:t>
+              <a:rPr lang="vi-VN" smtClean="0"/>
+              <a:t> </a:t>
+            </a:r>
+            <a:r>
+              <a:rPr lang="vi-VN" b="1" smtClean="0"/>
+              <a:t>Kết luận</a:t>
+            </a:r>
+          </a:p>
+          <a:p>
+            <a:pPr marL="673200" indent="-457200">
+              <a:lnSpc>
+                <a:spcPct val="150000"/>
+              </a:lnSpc>
+              <a:spcBef>
+                <a:spcPts val="0"/>
+              </a:spcBef>
+              <a:buFont typeface="Wingdings" panose="05000000000000000000" pitchFamily="2" charset="2"/>
+              <a:buChar char="ü"/>
+            </a:pPr>
+            <a:r>
+              <a:rPr lang="vi-VN" sz="3000" smtClean="0"/>
+              <a:t>Ứng dụng đáp ứng các yêu cầu chức năng</a:t>
+            </a:r>
+          </a:p>
+          <a:p>
+            <a:pPr marL="673200" indent="-457200">
+              <a:lnSpc>
+                <a:spcPct val="150000"/>
+              </a:lnSpc>
+              <a:spcBef>
+                <a:spcPts val="0"/>
+              </a:spcBef>
+              <a:buFont typeface="Wingdings" panose="05000000000000000000" pitchFamily="2" charset="2"/>
+              <a:buChar char="ü"/>
+            </a:pPr>
+            <a:r>
+              <a:rPr lang="vi-VN" sz="3000" smtClean="0"/>
+              <a:t>Các thao tác h</a:t>
+            </a:r>
+            <a:r>
+              <a:rPr lang="vi-VN" sz="3000" smtClean="0"/>
+              <a:t>oạt động ổn định</a:t>
+            </a:r>
+          </a:p>
+          <a:p>
+            <a:pPr marL="673200" indent="-457200">
+              <a:lnSpc>
+                <a:spcPct val="150000"/>
+              </a:lnSpc>
+              <a:spcBef>
+                <a:spcPts val="0"/>
+              </a:spcBef>
+              <a:buFont typeface="Wingdings" panose="05000000000000000000" pitchFamily="2" charset="2"/>
+              <a:buChar char="ü"/>
+            </a:pPr>
+            <a:r>
+              <a:rPr lang="vi-VN" sz="3000" smtClean="0"/>
+              <a:t>Cấu trúc ứng dụng rõ ràng và dễ bảo trì</a:t>
+            </a:r>
+            <a:endParaRPr lang="vi-VN" sz="3000"/>
+          </a:p>
+          <a:p>
+            <a:pPr marL="673200" indent="-457200">
+              <a:lnSpc>
+                <a:spcPct val="150000"/>
+              </a:lnSpc>
+              <a:spcBef>
+                <a:spcPts val="0"/>
+              </a:spcBef>
+              <a:buFont typeface="Wingdings" panose="05000000000000000000" pitchFamily="2" charset="2"/>
+              <a:buChar char="ü"/>
+            </a:pPr>
+            <a:r>
+              <a:rPr lang="vi-VN" sz="3000" smtClean="0"/>
+              <a:t>Khó tiếp cận với người dùng</a:t>
+            </a:r>
+          </a:p>
+          <a:p>
+            <a:pPr marL="673200" indent="-457200">
+              <a:lnSpc>
+                <a:spcPct val="150000"/>
+              </a:lnSpc>
+              <a:spcBef>
+                <a:spcPts val="0"/>
+              </a:spcBef>
+              <a:buFont typeface="Wingdings" panose="05000000000000000000" pitchFamily="2" charset="2"/>
+              <a:buChar char="ü"/>
+            </a:pPr>
+            <a:r>
+              <a:rPr lang="vi-VN" sz="3000" smtClean="0"/>
+              <a:t>Khả năng tương tác hạn chế</a:t>
+            </a:r>
+          </a:p>
+          <a:p>
+            <a:pPr marL="673200" indent="-457200">
+              <a:lnSpc>
+                <a:spcPct val="150000"/>
+              </a:lnSpc>
+              <a:spcBef>
+                <a:spcPts val="0"/>
+              </a:spcBef>
+              <a:buFont typeface="Wingdings" panose="05000000000000000000" pitchFamily="2" charset="2"/>
+              <a:buChar char="ü"/>
+            </a:pPr>
+            <a:r>
+              <a:rPr lang="vi-VN" sz="3000" smtClean="0"/>
+              <a:t>Giao diện đơn giản và kém thân thiện</a:t>
             </a:r>
           </a:p>
         </p:txBody>
@@ -5274,7 +6080,7 @@
     </p:spTree>
     <p:extLst>
       <p:ext uri="{BB962C8B-B14F-4D97-AF65-F5344CB8AC3E}">
-        <p14:creationId xmlns:p14="http://schemas.microsoft.com/office/powerpoint/2010/main" val="1695831539"/>
+        <p14:creationId xmlns:p14="http://schemas.microsoft.com/office/powerpoint/2010/main" val="3755467078"/>
       </p:ext>
     </p:extLst>
   </p:cSld>

--- a/thesis/abs/CSN-PhamTheVinh-110122208-DA22TTC.pptx
+++ b/thesis/abs/CSN-PhamTheVinh-110122208-DA22TTC.pptx
@@ -207,7 +207,7 @@
           <a:p>
             <a:fld id="{99DE3781-6464-4166-9117-F22CC446FEC6}" type="datetimeFigureOut">
               <a:rPr lang="vi-VN" smtClean="0"/>
-              <a:t>29/12/2024</a:t>
+              <a:t>31/12/2024</a:t>
             </a:fld>
             <a:endParaRPr lang="vi-VN"/>
           </a:p>
@@ -1194,7 +1194,7 @@
           <a:p>
             <a:fld id="{9A41B56A-32E6-445F-B440-40B15412FE4E}" type="datetimeFigureOut">
               <a:rPr lang="vi-VN" smtClean="0"/>
-              <a:t>29/12/2024</a:t>
+              <a:t>31/12/2024</a:t>
             </a:fld>
             <a:endParaRPr lang="vi-VN"/>
           </a:p>
@@ -1364,7 +1364,7 @@
           <a:p>
             <a:fld id="{9A41B56A-32E6-445F-B440-40B15412FE4E}" type="datetimeFigureOut">
               <a:rPr lang="vi-VN" smtClean="0"/>
-              <a:t>29/12/2024</a:t>
+              <a:t>31/12/2024</a:t>
             </a:fld>
             <a:endParaRPr lang="vi-VN"/>
           </a:p>
@@ -1544,7 +1544,7 @@
           <a:p>
             <a:fld id="{9A41B56A-32E6-445F-B440-40B15412FE4E}" type="datetimeFigureOut">
               <a:rPr lang="vi-VN" smtClean="0"/>
-              <a:t>29/12/2024</a:t>
+              <a:t>31/12/2024</a:t>
             </a:fld>
             <a:endParaRPr lang="vi-VN"/>
           </a:p>
@@ -1714,7 +1714,7 @@
           <a:p>
             <a:fld id="{9A41B56A-32E6-445F-B440-40B15412FE4E}" type="datetimeFigureOut">
               <a:rPr lang="vi-VN" smtClean="0"/>
-              <a:t>29/12/2024</a:t>
+              <a:t>31/12/2024</a:t>
             </a:fld>
             <a:endParaRPr lang="vi-VN"/>
           </a:p>
@@ -1960,7 +1960,7 @@
           <a:p>
             <a:fld id="{9A41B56A-32E6-445F-B440-40B15412FE4E}" type="datetimeFigureOut">
               <a:rPr lang="vi-VN" smtClean="0"/>
-              <a:t>29/12/2024</a:t>
+              <a:t>31/12/2024</a:t>
             </a:fld>
             <a:endParaRPr lang="vi-VN"/>
           </a:p>
@@ -2192,7 +2192,7 @@
           <a:p>
             <a:fld id="{9A41B56A-32E6-445F-B440-40B15412FE4E}" type="datetimeFigureOut">
               <a:rPr lang="vi-VN" smtClean="0"/>
-              <a:t>29/12/2024</a:t>
+              <a:t>31/12/2024</a:t>
             </a:fld>
             <a:endParaRPr lang="vi-VN"/>
           </a:p>
@@ -2559,7 +2559,7 @@
           <a:p>
             <a:fld id="{9A41B56A-32E6-445F-B440-40B15412FE4E}" type="datetimeFigureOut">
               <a:rPr lang="vi-VN" smtClean="0"/>
-              <a:t>29/12/2024</a:t>
+              <a:t>31/12/2024</a:t>
             </a:fld>
             <a:endParaRPr lang="vi-VN"/>
           </a:p>
@@ -2677,7 +2677,7 @@
           <a:p>
             <a:fld id="{9A41B56A-32E6-445F-B440-40B15412FE4E}" type="datetimeFigureOut">
               <a:rPr lang="vi-VN" smtClean="0"/>
-              <a:t>29/12/2024</a:t>
+              <a:t>31/12/2024</a:t>
             </a:fld>
             <a:endParaRPr lang="vi-VN"/>
           </a:p>
@@ -2772,7 +2772,7 @@
           <a:p>
             <a:fld id="{9A41B56A-32E6-445F-B440-40B15412FE4E}" type="datetimeFigureOut">
               <a:rPr lang="vi-VN" smtClean="0"/>
-              <a:t>29/12/2024</a:t>
+              <a:t>31/12/2024</a:t>
             </a:fld>
             <a:endParaRPr lang="vi-VN"/>
           </a:p>
@@ -3049,7 +3049,7 @@
           <a:p>
             <a:fld id="{9A41B56A-32E6-445F-B440-40B15412FE4E}" type="datetimeFigureOut">
               <a:rPr lang="vi-VN" smtClean="0"/>
-              <a:t>29/12/2024</a:t>
+              <a:t>31/12/2024</a:t>
             </a:fld>
             <a:endParaRPr lang="vi-VN"/>
           </a:p>
@@ -3302,7 +3302,7 @@
           <a:p>
             <a:fld id="{9A41B56A-32E6-445F-B440-40B15412FE4E}" type="datetimeFigureOut">
               <a:rPr lang="vi-VN" smtClean="0"/>
-              <a:t>29/12/2024</a:t>
+              <a:t>31/12/2024</a:t>
             </a:fld>
             <a:endParaRPr lang="vi-VN"/>
           </a:p>
@@ -3524,7 +3524,7 @@
           <a:p>
             <a:fld id="{9A41B56A-32E6-445F-B440-40B15412FE4E}" type="datetimeFigureOut">
               <a:rPr lang="vi-VN" smtClean="0"/>
-              <a:t>29/12/2024</a:t>
+              <a:t>31/12/2024</a:t>
             </a:fld>
             <a:endParaRPr lang="vi-VN"/>
           </a:p>
@@ -4421,7 +4421,6 @@
               <a:rPr lang="vi-VN" b="1" smtClean="0"/>
               <a:t>Hướng phát triển</a:t>
             </a:r>
-            <a:endParaRPr lang="vi-VN" b="1" smtClean="0"/>
           </a:p>
           <a:p>
             <a:pPr marL="673200" indent="-457200">
@@ -5353,7 +5352,15 @@
             </a:pPr>
             <a:r>
               <a:rPr lang="vi-VN" sz="3000" smtClean="0"/>
-              <a:t>Xây dựng mô hình (Class Diagram, FlowChart)</a:t>
+              <a:t>Xây dựng mô hình (Class Diagram, </a:t>
+            </a:r>
+            <a:r>
+              <a:rPr lang="vi-VN" sz="3000" smtClean="0"/>
+              <a:t>Flow Chart</a:t>
+            </a:r>
+            <a:r>
+              <a:rPr lang="vi-VN" sz="3000" smtClean="0"/>
+              <a:t>)</a:t>
             </a:r>
           </a:p>
           <a:p>
@@ -5480,8 +5487,8 @@
         </p:blipFill>
         <p:spPr>
           <a:xfrm>
-            <a:off x="4049138" y="1825625"/>
-            <a:ext cx="4093724" cy="4607528"/>
+            <a:off x="4389612" y="1593407"/>
+            <a:ext cx="4579290" cy="5154037"/>
           </a:xfrm>
           <a:prstGeom prst="rect">
             <a:avLst/>
@@ -5518,6 +5525,22 @@
             <a:r>
               <a:rPr lang="vi-VN" sz="3000" b="1" smtClean="0"/>
               <a:t>hình</a:t>
+            </a:r>
+          </a:p>
+          <a:p>
+            <a:pPr marL="745200" indent="-457200">
+              <a:lnSpc>
+                <a:spcPct val="150000"/>
+              </a:lnSpc>
+              <a:spcBef>
+                <a:spcPts val="0"/>
+              </a:spcBef>
+              <a:buFont typeface="Wingdings" panose="05000000000000000000" pitchFamily="2" charset="2"/>
+              <a:buChar char="ü"/>
+            </a:pPr>
+            <a:r>
+              <a:rPr lang="vi-VN" sz="3000" smtClean="0"/>
+              <a:t>Class Diagram</a:t>
             </a:r>
           </a:p>
         </p:txBody>
@@ -5620,6 +5643,24 @@
               <a:rPr lang="vi-VN" sz="3000" b="1" smtClean="0"/>
               <a:t>hình</a:t>
             </a:r>
+            <a:endParaRPr lang="vi-VN" sz="3000" b="1"/>
+          </a:p>
+          <a:p>
+            <a:pPr marL="745200" indent="-457200">
+              <a:lnSpc>
+                <a:spcPct val="150000"/>
+              </a:lnSpc>
+              <a:spcBef>
+                <a:spcPts val="0"/>
+              </a:spcBef>
+              <a:buFont typeface="Wingdings" panose="05000000000000000000" pitchFamily="2" charset="2"/>
+              <a:buChar char="ü"/>
+            </a:pPr>
+            <a:r>
+              <a:rPr lang="vi-VN" sz="3000" smtClean="0"/>
+              <a:t>Flow Chart</a:t>
+            </a:r>
+            <a:endParaRPr lang="vi-VN" sz="3000" b="1" smtClean="0"/>
           </a:p>
         </p:txBody>
       </p:sp>
@@ -5631,7 +5672,7 @@
           </p:cNvPicPr>
           <p:nvPr/>
         </p:nvPicPr>
-        <p:blipFill>
+        <p:blipFill rotWithShape="1">
           <a:blip r:embed="rId3">
             <a:extLst>
               <a:ext uri="{28A0092B-C50C-407E-A947-70E740481C1C}">
@@ -5639,14 +5680,13 @@
               </a:ext>
             </a:extLst>
           </a:blip>
-          <a:stretch>
-            <a:fillRect/>
-          </a:stretch>
+          <a:srcRect l="2431" t="3547" r="2321" b="3902"/>
+          <a:stretch/>
         </p:blipFill>
         <p:spPr>
           <a:xfrm>
-            <a:off x="2904660" y="1834345"/>
-            <a:ext cx="6382680" cy="4477555"/>
+            <a:off x="3871612" y="2062264"/>
+            <a:ext cx="5603132" cy="4143983"/>
           </a:xfrm>
           <a:prstGeom prst="rect">
             <a:avLst/>
@@ -5745,11 +5785,7 @@
             </a:r>
             <a:r>
               <a:rPr lang="vi-VN" b="1" smtClean="0"/>
-              <a:t>Kết quả nghiên </a:t>
-            </a:r>
-            <a:r>
-              <a:rPr lang="vi-VN" b="1" smtClean="0"/>
-              <a:t>cứu</a:t>
+              <a:t>Kết quả nghiên cứu</a:t>
             </a:r>
           </a:p>
           <a:p>
@@ -5765,11 +5801,7 @@
             </a:pPr>
             <a:r>
               <a:rPr lang="vi-VN" sz="3000"/>
-              <a:t>Ứng dụng ngôn ngữ C# và .Net </a:t>
-            </a:r>
-            <a:r>
-              <a:rPr lang="vi-VN" sz="3000"/>
-              <a:t>Framework </a:t>
+              <a:t>Ứng dụng ngôn ngữ C# và .Net Framework </a:t>
             </a:r>
             <a:r>
               <a:rPr lang="vi-VN" sz="3000" smtClean="0"/>
@@ -5793,11 +5825,7 @@
             </a:r>
             <a:r>
               <a:rPr lang="vi-VN" sz="3000"/>
-              <a:t>dựng thành công </a:t>
-            </a:r>
-            <a:r>
-              <a:rPr lang="vi-VN" sz="3000"/>
-              <a:t>ứng </a:t>
+              <a:t>dựng thành công ứng </a:t>
             </a:r>
             <a:r>
               <a:rPr lang="vi-VN" sz="3000" smtClean="0"/>
@@ -5826,11 +5854,7 @@
             </a:r>
             <a:r>
               <a:rPr lang="vi-VN" sz="3000"/>
-              <a:t>yêu cầu </a:t>
-            </a:r>
-            <a:r>
-              <a:rPr lang="vi-VN" sz="3000"/>
-              <a:t>chức </a:t>
+              <a:t>yêu cầu chức </a:t>
             </a:r>
             <a:r>
               <a:rPr lang="vi-VN" sz="3000" smtClean="0"/>
@@ -6003,11 +6027,7 @@
             </a:pPr>
             <a:r>
               <a:rPr lang="vi-VN" sz="3000" smtClean="0"/>
-              <a:t>Các thao tác h</a:t>
-            </a:r>
-            <a:r>
-              <a:rPr lang="vi-VN" sz="3000" smtClean="0"/>
-              <a:t>oạt động ổn định</a:t>
+              <a:t>Các thao tác hoạt động ổn định</a:t>
             </a:r>
           </a:p>
           <a:p>
@@ -6023,9 +6043,25 @@
             </a:pPr>
             <a:r>
               <a:rPr lang="vi-VN" sz="3000" smtClean="0"/>
-              <a:t>Cấu trúc ứng dụng rõ ràng và dễ bảo trì</a:t>
-            </a:r>
-            <a:endParaRPr lang="vi-VN" sz="3000"/>
+              <a:t>Giao </a:t>
+            </a:r>
+            <a:r>
+              <a:rPr lang="vi-VN" sz="3000"/>
+              <a:t>diện kém </a:t>
+            </a:r>
+            <a:r>
+              <a:rPr lang="vi-VN" sz="3000"/>
+              <a:t>thân </a:t>
+            </a:r>
+            <a:r>
+              <a:rPr lang="vi-VN" sz="3000" smtClean="0"/>
+              <a:t>thiện, </a:t>
+            </a:r>
+            <a:r>
+              <a:rPr lang="vi-VN" sz="3000"/>
+              <a:t>khả năng tương tác hạn chế</a:t>
+            </a:r>
+            <a:endParaRPr lang="vi-VN" sz="3000" smtClean="0"/>
           </a:p>
           <a:p>
             <a:pPr marL="673200" indent="-457200">
@@ -6040,7 +6076,19 @@
             </a:pPr>
             <a:r>
               <a:rPr lang="vi-VN" sz="3000" smtClean="0"/>
-              <a:t>Khó tiếp cận với người dùng</a:t>
+              <a:t>Khó </a:t>
+            </a:r>
+            <a:r>
+              <a:rPr lang="vi-VN" sz="3000"/>
+              <a:t>tiếp cận với </a:t>
+            </a:r>
+            <a:r>
+              <a:rPr lang="vi-VN" sz="3000"/>
+              <a:t>người </a:t>
+            </a:r>
+            <a:r>
+              <a:rPr lang="vi-VN" sz="3000" smtClean="0"/>
+              <a:t>dùng</a:t>
             </a:r>
           </a:p>
           <a:p>
@@ -6056,8 +6104,9 @@
             </a:pPr>
             <a:r>
               <a:rPr lang="vi-VN" sz="3000" smtClean="0"/>
-              <a:t>Khả năng tương tác hạn chế</a:t>
-            </a:r>
+              <a:t>Tính bảo mật thông tin thấp</a:t>
+            </a:r>
+            <a:endParaRPr lang="vi-VN" sz="3000"/>
           </a:p>
           <a:p>
             <a:pPr marL="673200" indent="-457200">
@@ -6070,10 +6119,7 @@
               <a:buFont typeface="Wingdings" panose="05000000000000000000" pitchFamily="2" charset="2"/>
               <a:buChar char="ü"/>
             </a:pPr>
-            <a:r>
-              <a:rPr lang="vi-VN" sz="3000" smtClean="0"/>
-              <a:t>Giao diện đơn giản và kém thân thiện</a:t>
-            </a:r>
+            <a:endParaRPr lang="vi-VN" sz="3000" smtClean="0"/>
           </a:p>
         </p:txBody>
       </p:sp>

--- a/thesis/abs/CSN-PhamTheVinh-110122208-DA22TTC.pptx
+++ b/thesis/abs/CSN-PhamTheVinh-110122208-DA22TTC.pptx
@@ -5,20 +5,22 @@
     <p:sldMasterId id="2147483648" r:id="rId1"/>
   </p:sldMasterIdLst>
   <p:notesMasterIdLst>
-    <p:notesMasterId r:id="rId13"/>
+    <p:notesMasterId r:id="rId15"/>
   </p:notesMasterIdLst>
   <p:sldIdLst>
     <p:sldId id="256" r:id="rId2"/>
     <p:sldId id="257" r:id="rId3"/>
     <p:sldId id="258" r:id="rId4"/>
-    <p:sldId id="260" r:id="rId5"/>
-    <p:sldId id="259" r:id="rId6"/>
-    <p:sldId id="261" r:id="rId7"/>
-    <p:sldId id="262" r:id="rId8"/>
-    <p:sldId id="263" r:id="rId9"/>
-    <p:sldId id="264" r:id="rId10"/>
-    <p:sldId id="265" r:id="rId11"/>
-    <p:sldId id="266" r:id="rId12"/>
+    <p:sldId id="268" r:id="rId5"/>
+    <p:sldId id="260" r:id="rId6"/>
+    <p:sldId id="269" r:id="rId7"/>
+    <p:sldId id="261" r:id="rId8"/>
+    <p:sldId id="262" r:id="rId9"/>
+    <p:sldId id="263" r:id="rId10"/>
+    <p:sldId id="267" r:id="rId11"/>
+    <p:sldId id="264" r:id="rId12"/>
+    <p:sldId id="265" r:id="rId13"/>
+    <p:sldId id="266" r:id="rId14"/>
   </p:sldIdLst>
   <p:sldSz cx="12192000" cy="6858000"/>
   <p:notesSz cx="6858000" cy="9144000"/>
@@ -207,7 +209,7 @@
           <a:p>
             <a:fld id="{99DE3781-6464-4166-9117-F22CC446FEC6}" type="datetimeFigureOut">
               <a:rPr lang="vi-VN" smtClean="0"/>
-              <a:t>31/12/2024</a:t>
+              <a:t>01/01/2025</a:t>
             </a:fld>
             <a:endParaRPr lang="vi-VN"/>
           </a:p>
@@ -540,7 +542,7 @@
           <a:p>
             <a:fld id="{A88C98BB-1832-4D33-8C46-1D1C10DE5E82}" type="slidenum">
               <a:rPr lang="vi-VN" smtClean="0"/>
-              <a:t>5</a:t>
+              <a:t>7</a:t>
             </a:fld>
             <a:endParaRPr lang="vi-VN"/>
           </a:p>
@@ -549,7 +551,7 @@
     </p:spTree>
     <p:extLst>
       <p:ext uri="{BB962C8B-B14F-4D97-AF65-F5344CB8AC3E}">
-        <p14:creationId xmlns:p14="http://schemas.microsoft.com/office/powerpoint/2010/main" val="2010316434"/>
+        <p14:creationId xmlns:p14="http://schemas.microsoft.com/office/powerpoint/2010/main" val="1682350342"/>
       </p:ext>
     </p:extLst>
   </p:cSld>
@@ -624,7 +626,7 @@
           <a:p>
             <a:fld id="{A88C98BB-1832-4D33-8C46-1D1C10DE5E82}" type="slidenum">
               <a:rPr lang="vi-VN" smtClean="0"/>
-              <a:t>6</a:t>
+              <a:t>8</a:t>
             </a:fld>
             <a:endParaRPr lang="vi-VN"/>
           </a:p>
@@ -633,7 +635,7 @@
     </p:spTree>
     <p:extLst>
       <p:ext uri="{BB962C8B-B14F-4D97-AF65-F5344CB8AC3E}">
-        <p14:creationId xmlns:p14="http://schemas.microsoft.com/office/powerpoint/2010/main" val="1682350342"/>
+        <p14:creationId xmlns:p14="http://schemas.microsoft.com/office/powerpoint/2010/main" val="2471782275"/>
       </p:ext>
     </p:extLst>
   </p:cSld>
@@ -708,7 +710,7 @@
           <a:p>
             <a:fld id="{A88C98BB-1832-4D33-8C46-1D1C10DE5E82}" type="slidenum">
               <a:rPr lang="vi-VN" smtClean="0"/>
-              <a:t>7</a:t>
+              <a:t>9</a:t>
             </a:fld>
             <a:endParaRPr lang="vi-VN"/>
           </a:p>
@@ -717,7 +719,7 @@
     </p:spTree>
     <p:extLst>
       <p:ext uri="{BB962C8B-B14F-4D97-AF65-F5344CB8AC3E}">
-        <p14:creationId xmlns:p14="http://schemas.microsoft.com/office/powerpoint/2010/main" val="2471782275"/>
+        <p14:creationId xmlns:p14="http://schemas.microsoft.com/office/powerpoint/2010/main" val="2572613696"/>
       </p:ext>
     </p:extLst>
   </p:cSld>
@@ -792,7 +794,7 @@
           <a:p>
             <a:fld id="{A88C98BB-1832-4D33-8C46-1D1C10DE5E82}" type="slidenum">
               <a:rPr lang="vi-VN" smtClean="0"/>
-              <a:t>8</a:t>
+              <a:t>10</a:t>
             </a:fld>
             <a:endParaRPr lang="vi-VN"/>
           </a:p>
@@ -801,7 +803,7 @@
     </p:spTree>
     <p:extLst>
       <p:ext uri="{BB962C8B-B14F-4D97-AF65-F5344CB8AC3E}">
-        <p14:creationId xmlns:p14="http://schemas.microsoft.com/office/powerpoint/2010/main" val="2572613696"/>
+        <p14:creationId xmlns:p14="http://schemas.microsoft.com/office/powerpoint/2010/main" val="2430142995"/>
       </p:ext>
     </p:extLst>
   </p:cSld>
@@ -876,7 +878,7 @@
           <a:p>
             <a:fld id="{A88C98BB-1832-4D33-8C46-1D1C10DE5E82}" type="slidenum">
               <a:rPr lang="vi-VN" smtClean="0"/>
-              <a:t>9</a:t>
+              <a:t>11</a:t>
             </a:fld>
             <a:endParaRPr lang="vi-VN"/>
           </a:p>
@@ -960,7 +962,7 @@
           <a:p>
             <a:fld id="{A88C98BB-1832-4D33-8C46-1D1C10DE5E82}" type="slidenum">
               <a:rPr lang="vi-VN" smtClean="0"/>
-              <a:t>10</a:t>
+              <a:t>12</a:t>
             </a:fld>
             <a:endParaRPr lang="vi-VN"/>
           </a:p>
@@ -1044,7 +1046,7 @@
           <a:p>
             <a:fld id="{A88C98BB-1832-4D33-8C46-1D1C10DE5E82}" type="slidenum">
               <a:rPr lang="vi-VN" smtClean="0"/>
-              <a:t>11</a:t>
+              <a:t>13</a:t>
             </a:fld>
             <a:endParaRPr lang="vi-VN"/>
           </a:p>
@@ -1194,7 +1196,7 @@
           <a:p>
             <a:fld id="{9A41B56A-32E6-445F-B440-40B15412FE4E}" type="datetimeFigureOut">
               <a:rPr lang="vi-VN" smtClean="0"/>
-              <a:t>31/12/2024</a:t>
+              <a:t>01/01/2025</a:t>
             </a:fld>
             <a:endParaRPr lang="vi-VN"/>
           </a:p>
@@ -1364,7 +1366,7 @@
           <a:p>
             <a:fld id="{9A41B56A-32E6-445F-B440-40B15412FE4E}" type="datetimeFigureOut">
               <a:rPr lang="vi-VN" smtClean="0"/>
-              <a:t>31/12/2024</a:t>
+              <a:t>01/01/2025</a:t>
             </a:fld>
             <a:endParaRPr lang="vi-VN"/>
           </a:p>
@@ -1544,7 +1546,7 @@
           <a:p>
             <a:fld id="{9A41B56A-32E6-445F-B440-40B15412FE4E}" type="datetimeFigureOut">
               <a:rPr lang="vi-VN" smtClean="0"/>
-              <a:t>31/12/2024</a:t>
+              <a:t>01/01/2025</a:t>
             </a:fld>
             <a:endParaRPr lang="vi-VN"/>
           </a:p>
@@ -1714,7 +1716,7 @@
           <a:p>
             <a:fld id="{9A41B56A-32E6-445F-B440-40B15412FE4E}" type="datetimeFigureOut">
               <a:rPr lang="vi-VN" smtClean="0"/>
-              <a:t>31/12/2024</a:t>
+              <a:t>01/01/2025</a:t>
             </a:fld>
             <a:endParaRPr lang="vi-VN"/>
           </a:p>
@@ -1960,7 +1962,7 @@
           <a:p>
             <a:fld id="{9A41B56A-32E6-445F-B440-40B15412FE4E}" type="datetimeFigureOut">
               <a:rPr lang="vi-VN" smtClean="0"/>
-              <a:t>31/12/2024</a:t>
+              <a:t>01/01/2025</a:t>
             </a:fld>
             <a:endParaRPr lang="vi-VN"/>
           </a:p>
@@ -2192,7 +2194,7 @@
           <a:p>
             <a:fld id="{9A41B56A-32E6-445F-B440-40B15412FE4E}" type="datetimeFigureOut">
               <a:rPr lang="vi-VN" smtClean="0"/>
-              <a:t>31/12/2024</a:t>
+              <a:t>01/01/2025</a:t>
             </a:fld>
             <a:endParaRPr lang="vi-VN"/>
           </a:p>
@@ -2559,7 +2561,7 @@
           <a:p>
             <a:fld id="{9A41B56A-32E6-445F-B440-40B15412FE4E}" type="datetimeFigureOut">
               <a:rPr lang="vi-VN" smtClean="0"/>
-              <a:t>31/12/2024</a:t>
+              <a:t>01/01/2025</a:t>
             </a:fld>
             <a:endParaRPr lang="vi-VN"/>
           </a:p>
@@ -2677,7 +2679,7 @@
           <a:p>
             <a:fld id="{9A41B56A-32E6-445F-B440-40B15412FE4E}" type="datetimeFigureOut">
               <a:rPr lang="vi-VN" smtClean="0"/>
-              <a:t>31/12/2024</a:t>
+              <a:t>01/01/2025</a:t>
             </a:fld>
             <a:endParaRPr lang="vi-VN"/>
           </a:p>
@@ -2772,7 +2774,7 @@
           <a:p>
             <a:fld id="{9A41B56A-32E6-445F-B440-40B15412FE4E}" type="datetimeFigureOut">
               <a:rPr lang="vi-VN" smtClean="0"/>
-              <a:t>31/12/2024</a:t>
+              <a:t>01/01/2025</a:t>
             </a:fld>
             <a:endParaRPr lang="vi-VN"/>
           </a:p>
@@ -3049,7 +3051,7 @@
           <a:p>
             <a:fld id="{9A41B56A-32E6-445F-B440-40B15412FE4E}" type="datetimeFigureOut">
               <a:rPr lang="vi-VN" smtClean="0"/>
-              <a:t>31/12/2024</a:t>
+              <a:t>01/01/2025</a:t>
             </a:fld>
             <a:endParaRPr lang="vi-VN"/>
           </a:p>
@@ -3302,7 +3304,7 @@
           <a:p>
             <a:fld id="{9A41B56A-32E6-445F-B440-40B15412FE4E}" type="datetimeFigureOut">
               <a:rPr lang="vi-VN" smtClean="0"/>
-              <a:t>31/12/2024</a:t>
+              <a:t>01/01/2025</a:t>
             </a:fld>
             <a:endParaRPr lang="vi-VN"/>
           </a:p>
@@ -3524,7 +3526,7 @@
           <a:p>
             <a:fld id="{9A41B56A-32E6-445F-B440-40B15412FE4E}" type="datetimeFigureOut">
               <a:rPr lang="vi-VN" smtClean="0"/>
-              <a:t>31/12/2024</a:t>
+              <a:t>01/01/2025</a:t>
             </a:fld>
             <a:endParaRPr lang="vi-VN"/>
           </a:p>
@@ -4375,6 +4377,157 @@
               <a:lnSpc>
                 <a:spcPct val="100000"/>
               </a:lnSpc>
+            </a:pPr>
+            <a:r>
+              <a:rPr lang="en-US" sz="4000" b="1" smtClean="0"/>
+              <a:t>KẾT QUẢ NGHIÊN CỨU</a:t>
+            </a:r>
+            <a:endParaRPr lang="vi-VN" sz="4000" b="1"/>
+          </a:p>
+        </p:txBody>
+      </p:sp>
+      <p:sp>
+        <p:nvSpPr>
+          <p:cNvPr id="12" name="Content Placeholder 11"/>
+          <p:cNvSpPr>
+            <a:spLocks noGrp="1"/>
+          </p:cNvSpPr>
+          <p:nvPr>
+            <p:ph idx="1"/>
+          </p:nvPr>
+        </p:nvSpPr>
+        <p:spPr/>
+        <p:txBody>
+          <a:bodyPr/>
+          <a:lstStyle/>
+          <a:p>
+            <a:pPr>
+              <a:buFont typeface="Wingdings" panose="05000000000000000000" pitchFamily="2" charset="2"/>
+              <a:buChar char="q"/>
+            </a:pPr>
+            <a:r>
+              <a:rPr lang="vi-VN" smtClean="0"/>
+              <a:t> </a:t>
+            </a:r>
+            <a:r>
+              <a:rPr lang="vi-VN" b="1" smtClean="0"/>
+              <a:t>Kết quả nghiên cứu</a:t>
+            </a:r>
+          </a:p>
+          <a:p>
+            <a:pPr marL="673200" indent="-457200">
+              <a:lnSpc>
+                <a:spcPct val="150000"/>
+              </a:lnSpc>
+              <a:spcBef>
+                <a:spcPts val="0"/>
+              </a:spcBef>
+              <a:buFont typeface="Wingdings" panose="05000000000000000000" pitchFamily="2" charset="2"/>
+              <a:buChar char="ü"/>
+            </a:pPr>
+            <a:r>
+              <a:rPr lang="vi-VN" sz="3000" smtClean="0"/>
+              <a:t>Giao diện </a:t>
+            </a:r>
+            <a:r>
+              <a:rPr lang="vi-VN" sz="3000" smtClean="0"/>
+              <a:t>của ứng </a:t>
+            </a:r>
+            <a:r>
+              <a:rPr lang="vi-VN" sz="3000" smtClean="0"/>
+              <a:t>dụng</a:t>
+            </a:r>
+          </a:p>
+        </p:txBody>
+      </p:sp>
+      <p:pic>
+        <p:nvPicPr>
+          <p:cNvPr id="3" name="Picture 2"/>
+          <p:cNvPicPr>
+            <a:picLocks noChangeAspect="1"/>
+          </p:cNvPicPr>
+          <p:nvPr/>
+        </p:nvPicPr>
+        <p:blipFill>
+          <a:blip r:embed="rId3">
+            <a:extLst>
+              <a:ext uri="{28A0092B-C50C-407E-A947-70E740481C1C}">
+                <a14:useLocalDpi xmlns:a14="http://schemas.microsoft.com/office/drawing/2010/main" val="0"/>
+              </a:ext>
+            </a:extLst>
+          </a:blip>
+          <a:stretch>
+            <a:fillRect/>
+          </a:stretch>
+        </p:blipFill>
+        <p:spPr>
+          <a:xfrm>
+            <a:off x="3287047" y="3103125"/>
+            <a:ext cx="5578994" cy="3219754"/>
+          </a:xfrm>
+          <a:prstGeom prst="rect">
+            <a:avLst/>
+          </a:prstGeom>
+        </p:spPr>
+      </p:pic>
+    </p:spTree>
+    <p:extLst>
+      <p:ext uri="{BB962C8B-B14F-4D97-AF65-F5344CB8AC3E}">
+        <p14:creationId xmlns:p14="http://schemas.microsoft.com/office/powerpoint/2010/main" val="3539430708"/>
+      </p:ext>
+    </p:extLst>
+  </p:cSld>
+  <p:clrMapOvr>
+    <a:masterClrMapping/>
+  </p:clrMapOvr>
+  <p:timing>
+    <p:tnLst>
+      <p:par>
+        <p:cTn id="1" dur="indefinite" restart="never" nodeType="tmRoot"/>
+      </p:par>
+    </p:tnLst>
+  </p:timing>
+</p:sld>
+</file>
+
+<file path=ppt/slides/slide11.xml><?xml version="1.0" encoding="utf-8"?>
+<p:sld xmlns:a="http://schemas.openxmlformats.org/drawingml/2006/main" xmlns:r="http://schemas.openxmlformats.org/officeDocument/2006/relationships" xmlns:p="http://schemas.openxmlformats.org/presentationml/2006/main">
+  <p:cSld>
+    <p:spTree>
+      <p:nvGrpSpPr>
+        <p:cNvPr id="1" name=""/>
+        <p:cNvGrpSpPr/>
+        <p:nvPr/>
+      </p:nvGrpSpPr>
+      <p:grpSpPr>
+        <a:xfrm>
+          <a:off x="0" y="0"/>
+          <a:ext cx="0" cy="0"/>
+          <a:chOff x="0" y="0"/>
+          <a:chExt cx="0" cy="0"/>
+        </a:xfrm>
+      </p:grpSpPr>
+      <p:sp>
+        <p:nvSpPr>
+          <p:cNvPr id="2" name="Title 1"/>
+          <p:cNvSpPr>
+            <a:spLocks noGrp="1"/>
+          </p:cNvSpPr>
+          <p:nvPr>
+            <p:ph type="title"/>
+          </p:nvPr>
+        </p:nvSpPr>
+        <p:spPr/>
+        <p:txBody>
+          <a:bodyPr>
+            <a:normAutofit/>
+          </a:bodyPr>
+          <a:lstStyle/>
+          <a:p>
+            <a:pPr algn="ctr">
+              <a:lnSpc>
+                <a:spcPct val="100000"/>
+              </a:lnSpc>
               <a:spcBef>
                 <a:spcPts val="0"/>
               </a:spcBef>
@@ -4410,6 +4563,234 @@
           <a:lstStyle/>
           <a:p>
             <a:pPr>
+              <a:spcAft>
+                <a:spcPts val="1200"/>
+              </a:spcAft>
+              <a:buFont typeface="Wingdings" panose="05000000000000000000" pitchFamily="2" charset="2"/>
+              <a:buChar char="q"/>
+            </a:pPr>
+            <a:r>
+              <a:rPr lang="vi-VN" smtClean="0"/>
+              <a:t> </a:t>
+            </a:r>
+            <a:r>
+              <a:rPr lang="vi-VN" b="1" smtClean="0"/>
+              <a:t>Kết luận</a:t>
+            </a:r>
+          </a:p>
+          <a:p>
+            <a:pPr marL="673200" indent="-457200">
+              <a:lnSpc>
+                <a:spcPct val="150000"/>
+              </a:lnSpc>
+              <a:spcBef>
+                <a:spcPts val="0"/>
+              </a:spcBef>
+              <a:buFont typeface="Wingdings" panose="05000000000000000000" pitchFamily="2" charset="2"/>
+              <a:buChar char="ü"/>
+            </a:pPr>
+            <a:r>
+              <a:rPr lang="vi-VN" sz="3000" smtClean="0"/>
+              <a:t>Ứng dụng đáp ứng các yêu cầu chức năng</a:t>
+            </a:r>
+          </a:p>
+          <a:p>
+            <a:pPr marL="673200" indent="-457200">
+              <a:lnSpc>
+                <a:spcPct val="150000"/>
+              </a:lnSpc>
+              <a:spcBef>
+                <a:spcPts val="0"/>
+              </a:spcBef>
+              <a:buFont typeface="Wingdings" panose="05000000000000000000" pitchFamily="2" charset="2"/>
+              <a:buChar char="ü"/>
+            </a:pPr>
+            <a:r>
+              <a:rPr lang="vi-VN" sz="3000" smtClean="0"/>
+              <a:t>Các thao tác hoạt động ổn định</a:t>
+            </a:r>
+          </a:p>
+          <a:p>
+            <a:pPr marL="673200" indent="-457200">
+              <a:lnSpc>
+                <a:spcPct val="150000"/>
+              </a:lnSpc>
+              <a:spcBef>
+                <a:spcPts val="0"/>
+              </a:spcBef>
+              <a:buFont typeface="Wingdings" panose="05000000000000000000" pitchFamily="2" charset="2"/>
+              <a:buChar char="ü"/>
+            </a:pPr>
+            <a:r>
+              <a:rPr lang="vi-VN" sz="3000" smtClean="0"/>
+              <a:t>Giao </a:t>
+            </a:r>
+            <a:r>
+              <a:rPr lang="vi-VN" sz="3000"/>
+              <a:t>diện kém thân </a:t>
+            </a:r>
+            <a:r>
+              <a:rPr lang="vi-VN" sz="3000" smtClean="0"/>
+              <a:t>thiện, </a:t>
+            </a:r>
+            <a:r>
+              <a:rPr lang="vi-VN" sz="3000"/>
+              <a:t>khả năng tương tác hạn chế</a:t>
+            </a:r>
+            <a:endParaRPr lang="vi-VN" sz="3000" smtClean="0"/>
+          </a:p>
+          <a:p>
+            <a:pPr marL="673200" indent="-457200">
+              <a:lnSpc>
+                <a:spcPct val="150000"/>
+              </a:lnSpc>
+              <a:spcBef>
+                <a:spcPts val="0"/>
+              </a:spcBef>
+              <a:buFont typeface="Wingdings" panose="05000000000000000000" pitchFamily="2" charset="2"/>
+              <a:buChar char="ü"/>
+            </a:pPr>
+            <a:r>
+              <a:rPr lang="vi-VN" sz="3000" smtClean="0"/>
+              <a:t>Khó </a:t>
+            </a:r>
+            <a:r>
+              <a:rPr lang="vi-VN" sz="3000"/>
+              <a:t>tiếp cận với người </a:t>
+            </a:r>
+            <a:r>
+              <a:rPr lang="vi-VN" sz="3000" smtClean="0"/>
+              <a:t>dùng</a:t>
+            </a:r>
+          </a:p>
+          <a:p>
+            <a:pPr marL="673200" indent="-457200">
+              <a:lnSpc>
+                <a:spcPct val="150000"/>
+              </a:lnSpc>
+              <a:spcBef>
+                <a:spcPts val="0"/>
+              </a:spcBef>
+              <a:buFont typeface="Wingdings" panose="05000000000000000000" pitchFamily="2" charset="2"/>
+              <a:buChar char="ü"/>
+            </a:pPr>
+            <a:r>
+              <a:rPr lang="vi-VN" sz="3000" smtClean="0"/>
+              <a:t>Tính bảo mật thông tin thấp</a:t>
+            </a:r>
+            <a:endParaRPr lang="vi-VN" sz="3000"/>
+          </a:p>
+          <a:p>
+            <a:pPr marL="673200" indent="-457200">
+              <a:lnSpc>
+                <a:spcPct val="150000"/>
+              </a:lnSpc>
+              <a:spcBef>
+                <a:spcPts val="0"/>
+              </a:spcBef>
+              <a:buFont typeface="Wingdings" panose="05000000000000000000" pitchFamily="2" charset="2"/>
+              <a:buChar char="ü"/>
+            </a:pPr>
+            <a:endParaRPr lang="vi-VN" sz="3000" smtClean="0"/>
+          </a:p>
+        </p:txBody>
+      </p:sp>
+    </p:spTree>
+    <p:extLst>
+      <p:ext uri="{BB962C8B-B14F-4D97-AF65-F5344CB8AC3E}">
+        <p14:creationId xmlns:p14="http://schemas.microsoft.com/office/powerpoint/2010/main" val="3755467078"/>
+      </p:ext>
+    </p:extLst>
+  </p:cSld>
+  <p:clrMapOvr>
+    <a:masterClrMapping/>
+  </p:clrMapOvr>
+  <p:timing>
+    <p:tnLst>
+      <p:par>
+        <p:cTn id="1" dur="indefinite" restart="never" nodeType="tmRoot"/>
+      </p:par>
+    </p:tnLst>
+  </p:timing>
+</p:sld>
+</file>
+
+<file path=ppt/slides/slide12.xml><?xml version="1.0" encoding="utf-8"?>
+<p:sld xmlns:a="http://schemas.openxmlformats.org/drawingml/2006/main" xmlns:r="http://schemas.openxmlformats.org/officeDocument/2006/relationships" xmlns:p="http://schemas.openxmlformats.org/presentationml/2006/main">
+  <p:cSld>
+    <p:spTree>
+      <p:nvGrpSpPr>
+        <p:cNvPr id="1" name=""/>
+        <p:cNvGrpSpPr/>
+        <p:nvPr/>
+      </p:nvGrpSpPr>
+      <p:grpSpPr>
+        <a:xfrm>
+          <a:off x="0" y="0"/>
+          <a:ext cx="0" cy="0"/>
+          <a:chOff x="0" y="0"/>
+          <a:chExt cx="0" cy="0"/>
+        </a:xfrm>
+      </p:grpSpPr>
+      <p:sp>
+        <p:nvSpPr>
+          <p:cNvPr id="2" name="Title 1"/>
+          <p:cNvSpPr>
+            <a:spLocks noGrp="1"/>
+          </p:cNvSpPr>
+          <p:nvPr>
+            <p:ph type="title"/>
+          </p:nvPr>
+        </p:nvSpPr>
+        <p:spPr/>
+        <p:txBody>
+          <a:bodyPr>
+            <a:normAutofit/>
+          </a:bodyPr>
+          <a:lstStyle/>
+          <a:p>
+            <a:pPr algn="ctr">
+              <a:lnSpc>
+                <a:spcPct val="100000"/>
+              </a:lnSpc>
+              <a:spcBef>
+                <a:spcPts val="0"/>
+              </a:spcBef>
+            </a:pPr>
+            <a:r>
+              <a:rPr lang="en-US" sz="4000" b="1" smtClean="0"/>
+              <a:t>KẾT LUẬN VÀ HƯỚNG PHÁT TRIỂN</a:t>
+            </a:r>
+            <a:endParaRPr lang="vi-VN" sz="4000" b="1"/>
+          </a:p>
+        </p:txBody>
+      </p:sp>
+      <p:sp>
+        <p:nvSpPr>
+          <p:cNvPr id="12" name="Content Placeholder 11"/>
+          <p:cNvSpPr>
+            <a:spLocks noGrp="1"/>
+          </p:cNvSpPr>
+          <p:nvPr>
+            <p:ph idx="1"/>
+          </p:nvPr>
+        </p:nvSpPr>
+        <p:spPr>
+          <a:xfrm>
+            <a:off x="838200" y="1825624"/>
+            <a:ext cx="10515600" cy="4964282"/>
+          </a:xfrm>
+        </p:spPr>
+        <p:txBody>
+          <a:bodyPr>
+            <a:normAutofit/>
+          </a:bodyPr>
+          <a:lstStyle/>
+          <a:p>
+            <a:pPr>
+              <a:spcAft>
+                <a:spcPts val="1200"/>
+              </a:spcAft>
               <a:buFont typeface="Wingdings" panose="05000000000000000000" pitchFamily="2" charset="2"/>
               <a:buChar char="q"/>
             </a:pPr>
@@ -4510,7 +4891,7 @@
 </p:sld>
 </file>
 
-<file path=ppt/slides/slide11.xml><?xml version="1.0" encoding="utf-8"?>
+<file path=ppt/slides/slide13.xml><?xml version="1.0" encoding="utf-8"?>
 <p:sld xmlns:a="http://schemas.openxmlformats.org/drawingml/2006/main" xmlns:r="http://schemas.openxmlformats.org/officeDocument/2006/relationships" xmlns:p="http://schemas.openxmlformats.org/presentationml/2006/main">
   <p:cSld>
     <p:spTree>
@@ -4666,7 +5047,7 @@
             </a:pPr>
             <a:r>
               <a:rPr lang="en-US" sz="3000" smtClean="0"/>
-              <a:t>Tổng quan đề tài</a:t>
+              <a:t>Tổng quan đề tài.</a:t>
             </a:r>
           </a:p>
           <a:p>
@@ -4682,9 +5063,8 @@
             </a:pPr>
             <a:r>
               <a:rPr lang="en-US" sz="3000" smtClean="0"/>
-              <a:t>Phương pháp thực hiện</a:t>
-            </a:r>
-            <a:endParaRPr lang="en-US" sz="3000"/>
+              <a:t>Mô hình.</a:t>
+            </a:r>
           </a:p>
           <a:p>
             <a:pPr marL="0" indent="-504000">
@@ -4699,7 +5079,15 @@
             </a:pPr>
             <a:r>
               <a:rPr lang="en-US" sz="3000" smtClean="0"/>
-              <a:t>Mô hình và kết quả nghiên cứu</a:t>
+              <a:t>Kết </a:t>
+            </a:r>
+            <a:r>
+              <a:rPr lang="en-US" sz="3000"/>
+              <a:t>quả nghiên cứu</a:t>
+            </a:r>
+            <a:r>
+              <a:rPr lang="en-US" sz="3000" smtClean="0"/>
+              <a:t>.</a:t>
             </a:r>
           </a:p>
           <a:p>
@@ -4715,7 +5103,7 @@
             </a:pPr>
             <a:r>
               <a:rPr lang="en-US" sz="3000" smtClean="0"/>
-              <a:t>Kết luận và hướng phát triển</a:t>
+              <a:t>Kết luận và hướng phát triển.</a:t>
             </a:r>
             <a:endParaRPr lang="vi-VN" sz="3000"/>
           </a:p>
@@ -4844,12 +5232,18 @@
               <a:lnSpc>
                 <a:spcPct val="120000"/>
               </a:lnSpc>
+              <a:spcBef>
+                <a:spcPts val="1200"/>
+              </a:spcBef>
+              <a:spcAft>
+                <a:spcPts val="1200"/>
+              </a:spcAft>
               <a:buFont typeface="Wingdings" panose="05000000000000000000" pitchFamily="2" charset="2"/>
               <a:buChar char="q"/>
             </a:pPr>
             <a:r>
               <a:rPr lang="en-US" sz="3000" b="1" smtClean="0"/>
-              <a:t> Vấn đề</a:t>
+              <a:t> Tính cấp thiết</a:t>
             </a:r>
           </a:p>
           <a:p>
@@ -4897,7 +5291,7 @@
             </a:pPr>
             <a:r>
               <a:rPr lang="vi-VN" sz="3000" smtClean="0"/>
-              <a:t>Thống kê chậm, mất nhiều thời gian tổng hợp.</a:t>
+              <a:t>Khó khăn trong việc lưu trữ và tra cứu dữ liệu.</a:t>
             </a:r>
           </a:p>
           <a:p>
@@ -4913,39 +5307,7 @@
             </a:pPr>
             <a:r>
               <a:rPr lang="vi-VN" sz="3000" smtClean="0"/>
-              <a:t>Khó khăn trong việc lưu trữ và tra cứu dữ liệu.</a:t>
-            </a:r>
-          </a:p>
-          <a:p>
-            <a:pPr marL="745200" indent="-457200">
-              <a:lnSpc>
-                <a:spcPct val="120000"/>
-              </a:lnSpc>
-              <a:spcBef>
-                <a:spcPts val="0"/>
-              </a:spcBef>
-              <a:buFont typeface="Wingdings" panose="05000000000000000000" pitchFamily="2" charset="2"/>
-              <a:buChar char="ü"/>
-            </a:pPr>
-            <a:r>
-              <a:rPr lang="vi-VN" sz="3000" smtClean="0"/>
-              <a:t>Thiếu báo cáo kịp thời để hỗ trợ ra quyết định.</a:t>
-            </a:r>
-          </a:p>
-          <a:p>
-            <a:pPr marL="745200" indent="-457200">
-              <a:lnSpc>
-                <a:spcPct val="120000"/>
-              </a:lnSpc>
-              <a:spcBef>
-                <a:spcPts val="0"/>
-              </a:spcBef>
-              <a:buFont typeface="Wingdings" panose="05000000000000000000" pitchFamily="2" charset="2"/>
-              <a:buChar char="ü"/>
-            </a:pPr>
-            <a:r>
-              <a:rPr lang="vi-VN" sz="3000" smtClean="0"/>
-              <a:t>Tính chuyên nghiệp trong quản lý còn hạn chế</a:t>
+              <a:t>Tính chuyên nghiệp trong quản lý còn hạn chế.</a:t>
             </a:r>
             <a:endParaRPr lang="vi-VN" sz="3000"/>
           </a:p>
@@ -5030,8 +5392,8 @@
         </p:nvSpPr>
         <p:spPr>
           <a:xfrm>
-            <a:off x="982493" y="1825625"/>
-            <a:ext cx="11040892" cy="4351338"/>
+            <a:off x="982494" y="1825625"/>
+            <a:ext cx="10371306" cy="4351338"/>
           </a:xfrm>
         </p:spPr>
         <p:txBody>
@@ -5040,23 +5402,26 @@
           </a:bodyPr>
           <a:lstStyle/>
           <a:p>
-            <a:pPr marL="0" indent="0">
+            <a:pPr>
               <a:lnSpc>
                 <a:spcPct val="120000"/>
               </a:lnSpc>
               <a:spcBef>
-                <a:spcPts val="0"/>
+                <a:spcPts val="1200"/>
               </a:spcBef>
+              <a:spcAft>
+                <a:spcPts val="1200"/>
+              </a:spcAft>
               <a:buFont typeface="Wingdings" panose="05000000000000000000" pitchFamily="2" charset="2"/>
               <a:buChar char="q"/>
             </a:pPr>
             <a:r>
               <a:rPr lang="en-US" sz="3000" b="1" smtClean="0"/>
-              <a:t> Yêu cầu</a:t>
-            </a:r>
-          </a:p>
-          <a:p>
-            <a:pPr marL="745200" lvl="0" indent="-457200">
+              <a:t> Mục tiêu</a:t>
+            </a:r>
+          </a:p>
+          <a:p>
+            <a:pPr marL="745200" indent="-457200">
               <a:lnSpc>
                 <a:spcPct val="120000"/>
               </a:lnSpc>
@@ -5067,25 +5432,12 @@
               <a:buChar char="ü"/>
             </a:pPr>
             <a:r>
-              <a:rPr lang="en-US" sz="3000"/>
-              <a:t>Quản lý danh mục </a:t>
-            </a:r>
-            <a:r>
-              <a:rPr lang="en-US" sz="3000" smtClean="0"/>
-              <a:t>nhóm </a:t>
-            </a:r>
-            <a:r>
-              <a:rPr lang="en-US" sz="3000"/>
-              <a:t>các sản </a:t>
-            </a:r>
-            <a:r>
-              <a:rPr lang="en-US" sz="3000" smtClean="0"/>
-              <a:t>phẩm.</a:t>
-            </a:r>
-            <a:endParaRPr lang="vi-VN" sz="3000"/>
-          </a:p>
-          <a:p>
-            <a:pPr marL="745200" lvl="0" indent="-457200">
+              <a:rPr lang="vi-VN" sz="3000" smtClean="0"/>
+              <a:t>Xây dựng ứng dụng đáp ứng các chức năng quản lý thông tin trong cửa hàng bán vật tư nông nghiệp.</a:t>
+            </a:r>
+          </a:p>
+          <a:p>
+            <a:pPr marL="745200" indent="-457200">
               <a:lnSpc>
                 <a:spcPct val="120000"/>
               </a:lnSpc>
@@ -5096,148 +5448,24 @@
               <a:buChar char="ü"/>
             </a:pPr>
             <a:r>
-              <a:rPr lang="en-US" sz="3000"/>
-              <a:t>Quản lý danh </a:t>
-            </a:r>
-            <a:r>
-              <a:rPr lang="en-US" sz="3000" smtClean="0"/>
-              <a:t>mục </a:t>
-            </a:r>
-            <a:r>
-              <a:rPr lang="en-US" sz="3000"/>
-              <a:t>sản </a:t>
-            </a:r>
-            <a:r>
-              <a:rPr lang="en-US" sz="3000" smtClean="0"/>
-              <a:t>phẩm.</a:t>
-            </a:r>
-          </a:p>
-          <a:p>
-            <a:pPr marL="745200" lvl="0" indent="-457200">
-              <a:lnSpc>
-                <a:spcPct val="120000"/>
-              </a:lnSpc>
-              <a:spcBef>
-                <a:spcPts val="0"/>
-              </a:spcBef>
-              <a:buFont typeface="Wingdings" panose="05000000000000000000" pitchFamily="2" charset="2"/>
-              <a:buChar char="ü"/>
-            </a:pPr>
-            <a:r>
-              <a:rPr lang="en-US" sz="3000" smtClean="0"/>
-              <a:t>Quản </a:t>
-            </a:r>
-            <a:r>
-              <a:rPr lang="en-US" sz="3000"/>
-              <a:t>lý danh mục thành phần </a:t>
-            </a:r>
-            <a:r>
-              <a:rPr lang="en-US" sz="3000" smtClean="0"/>
-              <a:t>có </a:t>
-            </a:r>
-            <a:r>
-              <a:rPr lang="en-US" sz="3000"/>
-              <a:t>trong sản phẩm. </a:t>
-            </a:r>
-            <a:endParaRPr lang="vi-VN" sz="3000"/>
-          </a:p>
-          <a:p>
-            <a:pPr marL="745200" lvl="0" indent="-457200">
-              <a:lnSpc>
-                <a:spcPct val="120000"/>
-              </a:lnSpc>
-              <a:spcBef>
-                <a:spcPts val="0"/>
-              </a:spcBef>
-              <a:buFont typeface="Wingdings" panose="05000000000000000000" pitchFamily="2" charset="2"/>
-              <a:buChar char="ü"/>
-            </a:pPr>
-            <a:r>
-              <a:rPr lang="en-US" sz="3000"/>
-              <a:t>Quản lý danh mục </a:t>
-            </a:r>
-            <a:r>
-              <a:rPr lang="en-US" sz="3000" smtClean="0"/>
-              <a:t>công </a:t>
-            </a:r>
-            <a:r>
-              <a:rPr lang="en-US" sz="3000"/>
-              <a:t>dụng của từng sản </a:t>
-            </a:r>
-            <a:r>
-              <a:rPr lang="en-US" sz="3000" smtClean="0"/>
-              <a:t>phẩm.</a:t>
-            </a:r>
-            <a:endParaRPr lang="vi-VN" sz="3000"/>
-          </a:p>
-          <a:p>
-            <a:pPr marL="745200" lvl="0" indent="-457200">
-              <a:lnSpc>
-                <a:spcPct val="120000"/>
-              </a:lnSpc>
-              <a:spcBef>
-                <a:spcPts val="0"/>
-              </a:spcBef>
-              <a:buFont typeface="Wingdings" panose="05000000000000000000" pitchFamily="2" charset="2"/>
-              <a:buChar char="ü"/>
-            </a:pPr>
-            <a:r>
-              <a:rPr lang="en-US" sz="3000"/>
-              <a:t>Quản lý danh mục </a:t>
-            </a:r>
-            <a:r>
-              <a:rPr lang="en-US" sz="3000" smtClean="0"/>
-              <a:t>nhân </a:t>
-            </a:r>
-            <a:r>
-              <a:rPr lang="en-US" sz="3000"/>
-              <a:t>viên </a:t>
-            </a:r>
-            <a:r>
-              <a:rPr lang="en-US" sz="3000" smtClean="0"/>
-              <a:t>phụ trách về nhóm </a:t>
-            </a:r>
-            <a:r>
-              <a:rPr lang="en-US" sz="3000"/>
-              <a:t>sản phẩm.</a:t>
-            </a:r>
-            <a:endParaRPr lang="vi-VN" sz="3000"/>
-          </a:p>
-          <a:p>
-            <a:pPr marL="745200" lvl="0" indent="-457200">
-              <a:lnSpc>
-                <a:spcPct val="120000"/>
-              </a:lnSpc>
-              <a:spcBef>
-                <a:spcPts val="0"/>
-              </a:spcBef>
-              <a:buFont typeface="Wingdings" panose="05000000000000000000" pitchFamily="2" charset="2"/>
-              <a:buChar char="ü"/>
-            </a:pPr>
-            <a:r>
-              <a:rPr lang="en-US" sz="3000"/>
-              <a:t>Quản lý danh mục thương hiệu </a:t>
-            </a:r>
-            <a:r>
-              <a:rPr lang="en-US" sz="3000" smtClean="0"/>
-              <a:t>nhà </a:t>
-            </a:r>
-            <a:r>
-              <a:rPr lang="en-US" sz="3000"/>
-              <a:t>sản xuất sản </a:t>
-            </a:r>
-            <a:r>
-              <a:rPr lang="en-US" sz="3000" smtClean="0"/>
-              <a:t>phẩm</a:t>
-            </a:r>
-            <a:endParaRPr lang="vi-VN" sz="3000"/>
+              <a:rPr lang="vi-VN" sz="3000" smtClean="0"/>
+              <a:t>Ứng dụng </a:t>
+            </a:r>
+            <a:r>
+              <a:rPr lang="vi-VN" sz="3000"/>
+              <a:t>giúp hiện thực việc số hóa quy trình </a:t>
+            </a:r>
+            <a:r>
+              <a:rPr lang="vi-VN" sz="3000" smtClean="0"/>
+              <a:t>quản lý truyền thống đồng thời là cơ sở cho việc phát triển hệ thống quản lý cửa hàng ngày càng tối ưu và hiệu quả.</a:t>
+            </a:r>
           </a:p>
         </p:txBody>
       </p:sp>
     </p:spTree>
     <p:extLst>
       <p:ext uri="{BB962C8B-B14F-4D97-AF65-F5344CB8AC3E}">
-        <p14:creationId xmlns:p14="http://schemas.microsoft.com/office/powerpoint/2010/main" val="2852649142"/>
+        <p14:creationId xmlns:p14="http://schemas.microsoft.com/office/powerpoint/2010/main" val="4049530027"/>
       </p:ext>
     </p:extLst>
   </p:cSld>
@@ -5281,12 +5509,7 @@
             <p:ph type="title"/>
           </p:nvPr>
         </p:nvSpPr>
-        <p:spPr>
-          <a:xfrm>
-            <a:off x="838200" y="306760"/>
-            <a:ext cx="10515600" cy="1325563"/>
-          </a:xfrm>
-        </p:spPr>
+        <p:spPr/>
         <p:txBody>
           <a:bodyPr>
             <a:normAutofit/>
@@ -5300,7 +5523,7 @@
             </a:pPr>
             <a:r>
               <a:rPr lang="en-US" sz="4000" b="1" smtClean="0"/>
-              <a:t>PHƯƠNG PHÁP THỰC HIỆN</a:t>
+              <a:t>TỔNG QUAN ĐỀ TÀI</a:t>
             </a:r>
             <a:endParaRPr lang="vi-VN" sz="4000" b="1"/>
           </a:p>
@@ -5316,12 +5539,36 @@
             <p:ph idx="1"/>
           </p:nvPr>
         </p:nvSpPr>
-        <p:spPr/>
+        <p:spPr>
+          <a:xfrm>
+            <a:off x="982493" y="1825625"/>
+            <a:ext cx="11040892" cy="4351338"/>
+          </a:xfrm>
+        </p:spPr>
         <p:txBody>
           <a:bodyPr>
-            <a:normAutofit/>
+            <a:noAutofit/>
           </a:bodyPr>
           <a:lstStyle/>
+          <a:p>
+            <a:pPr marL="0" indent="0">
+              <a:lnSpc>
+                <a:spcPct val="120000"/>
+              </a:lnSpc>
+              <a:spcBef>
+                <a:spcPts val="0"/>
+              </a:spcBef>
+              <a:spcAft>
+                <a:spcPts val="600"/>
+              </a:spcAft>
+              <a:buFont typeface="Wingdings" panose="05000000000000000000" pitchFamily="2" charset="2"/>
+              <a:buChar char="q"/>
+            </a:pPr>
+            <a:r>
+              <a:rPr lang="en-US" sz="3000" b="1" smtClean="0"/>
+              <a:t> Phương pháp</a:t>
+            </a:r>
+          </a:p>
           <a:p>
             <a:pPr marL="745200" indent="-457200">
               <a:lnSpc>
@@ -5334,10 +5581,9 @@
               <a:buChar char="ü"/>
             </a:pPr>
             <a:r>
-              <a:rPr lang="vi-VN" sz="3000" smtClean="0"/>
-              <a:t>Nghiên cứu lý thuyết (C#, .Net Framework, OOP, IDE,…)</a:t>
-            </a:r>
-            <a:endParaRPr lang="vi-VN" sz="3000"/>
+              <a:rPr lang="vi-VN" sz="3000"/>
+              <a:t>Nghiên cứu lý thuyết (C#, .Net Framework, OOP, IDE,…).</a:t>
+            </a:r>
           </a:p>
           <a:p>
             <a:pPr marL="745200" indent="-457200">
@@ -5351,16 +5597,8 @@
               <a:buChar char="ü"/>
             </a:pPr>
             <a:r>
-              <a:rPr lang="vi-VN" sz="3000" smtClean="0"/>
-              <a:t>Xây dựng mô hình (Class Diagram, </a:t>
-            </a:r>
-            <a:r>
-              <a:rPr lang="vi-VN" sz="3000" smtClean="0"/>
-              <a:t>Flow Chart</a:t>
-            </a:r>
-            <a:r>
-              <a:rPr lang="vi-VN" sz="3000" smtClean="0"/>
-              <a:t>)</a:t>
+              <a:rPr lang="vi-VN" sz="3000"/>
+              <a:t>Xây dựng mô hình (Class Diagram, Flow Chart).</a:t>
             </a:r>
           </a:p>
           <a:p>
@@ -5375,33 +5613,21 @@
               <a:buChar char="ü"/>
             </a:pPr>
             <a:r>
+              <a:rPr lang="vi-VN" sz="3000"/>
+              <a:t>Xây dựng ứng dụng dạng Console Application</a:t>
+            </a:r>
+            <a:r>
               <a:rPr lang="vi-VN" sz="3000" smtClean="0"/>
-              <a:t>Xây dựng ứng dụng dạng Console Application</a:t>
-            </a:r>
-          </a:p>
-          <a:p>
-            <a:pPr marL="745200" indent="-457200">
-              <a:lnSpc>
-                <a:spcPct val="150000"/>
-              </a:lnSpc>
-              <a:spcBef>
-                <a:spcPts val="0"/>
-              </a:spcBef>
-              <a:buFont typeface="Wingdings" panose="05000000000000000000" pitchFamily="2" charset="2"/>
-              <a:buChar char="ü"/>
-            </a:pPr>
-            <a:r>
-              <a:rPr lang="vi-VN" sz="3000" smtClean="0"/>
-              <a:t>Cài đặt và kiểm thử.</a:t>
-            </a:r>
-            <a:endParaRPr lang="en-US" sz="3000" smtClean="0"/>
+              <a:t>.</a:t>
+            </a:r>
+            <a:endParaRPr lang="vi-VN" sz="3000"/>
           </a:p>
         </p:txBody>
       </p:sp>
     </p:spTree>
     <p:extLst>
       <p:ext uri="{BB962C8B-B14F-4D97-AF65-F5344CB8AC3E}">
-        <p14:creationId xmlns:p14="http://schemas.microsoft.com/office/powerpoint/2010/main" val="1640284050"/>
+        <p14:creationId xmlns:p14="http://schemas.microsoft.com/office/powerpoint/2010/main" val="2852649142"/>
       </p:ext>
     </p:extLst>
   </p:cSld>
@@ -5459,78 +5685,56 @@
             </a:pPr>
             <a:r>
               <a:rPr lang="en-US" sz="4000" b="1" smtClean="0"/>
-              <a:t>MÔ HÌNH VÀ KẾT QUẢ NGHIÊN CỨU</a:t>
+              <a:t>TỔNG QUAN ĐỀ TÀI</a:t>
             </a:r>
             <a:endParaRPr lang="vi-VN" sz="4000" b="1"/>
           </a:p>
         </p:txBody>
       </p:sp>
-      <p:pic>
-        <p:nvPicPr>
-          <p:cNvPr id="11" name="Picture 10"/>
-          <p:cNvPicPr>
-            <a:picLocks noChangeAspect="1"/>
-          </p:cNvPicPr>
-          <p:nvPr/>
-        </p:nvPicPr>
-        <p:blipFill>
-          <a:blip r:embed="rId3" cstate="print">
-            <a:extLst>
-              <a:ext uri="{28A0092B-C50C-407E-A947-70E740481C1C}">
-                <a14:useLocalDpi xmlns:a14="http://schemas.microsoft.com/office/drawing/2010/main" val="0"/>
-              </a:ext>
-            </a:extLst>
-          </a:blip>
-          <a:stretch>
-            <a:fillRect/>
-          </a:stretch>
-        </p:blipFill>
+      <p:sp>
+        <p:nvSpPr>
+          <p:cNvPr id="3" name="Content Placeholder 2"/>
+          <p:cNvSpPr>
+            <a:spLocks noGrp="1"/>
+          </p:cNvSpPr>
+          <p:nvPr>
+            <p:ph idx="1"/>
+          </p:nvPr>
+        </p:nvSpPr>
         <p:spPr>
           <a:xfrm>
-            <a:off x="4389612" y="1593407"/>
-            <a:ext cx="4579290" cy="5154037"/>
+            <a:off x="982493" y="1825625"/>
+            <a:ext cx="11040892" cy="4351338"/>
           </a:xfrm>
-          <a:prstGeom prst="rect">
-            <a:avLst/>
-          </a:prstGeom>
         </p:spPr>
-      </p:pic>
-      <p:sp>
-        <p:nvSpPr>
-          <p:cNvPr id="12" name="Content Placeholder 11"/>
-          <p:cNvSpPr>
-            <a:spLocks noGrp="1"/>
-          </p:cNvSpPr>
-          <p:nvPr>
-            <p:ph idx="1"/>
-          </p:nvPr>
-        </p:nvSpPr>
-        <p:spPr/>
-        <p:txBody>
-          <a:bodyPr/>
-          <a:lstStyle/>
-          <a:p>
-            <a:pPr>
+        <p:txBody>
+          <a:bodyPr>
+            <a:noAutofit/>
+          </a:bodyPr>
+          <a:lstStyle/>
+          <a:p>
+            <a:pPr marL="0" indent="0">
+              <a:lnSpc>
+                <a:spcPct val="120000"/>
+              </a:lnSpc>
+              <a:spcBef>
+                <a:spcPts val="0"/>
+              </a:spcBef>
+              <a:spcAft>
+                <a:spcPts val="1200"/>
+              </a:spcAft>
               <a:buFont typeface="Wingdings" panose="05000000000000000000" pitchFamily="2" charset="2"/>
               <a:buChar char="q"/>
             </a:pPr>
             <a:r>
-              <a:rPr lang="vi-VN" smtClean="0"/>
-              <a:t> </a:t>
-            </a:r>
-            <a:r>
-              <a:rPr lang="vi-VN" b="1" smtClean="0"/>
-              <a:t>Mô </a:t>
-            </a:r>
-            <a:r>
-              <a:rPr lang="vi-VN" sz="3000" b="1" smtClean="0"/>
-              <a:t>hình</a:t>
-            </a:r>
-          </a:p>
-          <a:p>
-            <a:pPr marL="745200" indent="-457200">
+              <a:rPr lang="en-US" sz="3000" b="1" smtClean="0"/>
+              <a:t> Các chức năng chính</a:t>
+            </a:r>
+          </a:p>
+          <a:p>
+            <a:pPr marL="745200" lvl="0" indent="-457200">
               <a:lnSpc>
-                <a:spcPct val="150000"/>
+                <a:spcPct val="120000"/>
               </a:lnSpc>
               <a:spcBef>
                 <a:spcPts val="0"/>
@@ -5539,16 +5743,177 @@
               <a:buChar char="ü"/>
             </a:pPr>
             <a:r>
-              <a:rPr lang="vi-VN" sz="3000" smtClean="0"/>
-              <a:t>Class Diagram</a:t>
-            </a:r>
+              <a:rPr lang="en-US" sz="3000"/>
+              <a:t>Quản lý danh mục </a:t>
+            </a:r>
+            <a:r>
+              <a:rPr lang="en-US" sz="3000" smtClean="0"/>
+              <a:t>nhóm </a:t>
+            </a:r>
+            <a:r>
+              <a:rPr lang="en-US" sz="3000"/>
+              <a:t>các sản </a:t>
+            </a:r>
+            <a:r>
+              <a:rPr lang="en-US" sz="3000" smtClean="0"/>
+              <a:t>phẩm.</a:t>
+            </a:r>
+            <a:endParaRPr lang="vi-VN" sz="3000"/>
+          </a:p>
+          <a:p>
+            <a:pPr marL="745200" lvl="0" indent="-457200">
+              <a:lnSpc>
+                <a:spcPct val="120000"/>
+              </a:lnSpc>
+              <a:spcBef>
+                <a:spcPts val="0"/>
+              </a:spcBef>
+              <a:buFont typeface="Wingdings" panose="05000000000000000000" pitchFamily="2" charset="2"/>
+              <a:buChar char="ü"/>
+            </a:pPr>
+            <a:r>
+              <a:rPr lang="en-US" sz="3000"/>
+              <a:t>Quản lý danh </a:t>
+            </a:r>
+            <a:r>
+              <a:rPr lang="en-US" sz="3000" smtClean="0"/>
+              <a:t>mục </a:t>
+            </a:r>
+            <a:r>
+              <a:rPr lang="en-US" sz="3000"/>
+              <a:t>sản </a:t>
+            </a:r>
+            <a:r>
+              <a:rPr lang="en-US" sz="3000" smtClean="0"/>
+              <a:t>phẩm.</a:t>
+            </a:r>
+          </a:p>
+          <a:p>
+            <a:pPr marL="745200" lvl="0" indent="-457200">
+              <a:lnSpc>
+                <a:spcPct val="120000"/>
+              </a:lnSpc>
+              <a:spcBef>
+                <a:spcPts val="0"/>
+              </a:spcBef>
+              <a:buFont typeface="Wingdings" panose="05000000000000000000" pitchFamily="2" charset="2"/>
+              <a:buChar char="ü"/>
+            </a:pPr>
+            <a:r>
+              <a:rPr lang="en-US" sz="3000" smtClean="0"/>
+              <a:t>Quản </a:t>
+            </a:r>
+            <a:r>
+              <a:rPr lang="en-US" sz="3000"/>
+              <a:t>lý danh mục thành phần </a:t>
+            </a:r>
+            <a:r>
+              <a:rPr lang="en-US" sz="3000" smtClean="0"/>
+              <a:t>có </a:t>
+            </a:r>
+            <a:r>
+              <a:rPr lang="en-US" sz="3000"/>
+              <a:t>trong sản phẩm. </a:t>
+            </a:r>
+            <a:endParaRPr lang="vi-VN" sz="3000"/>
+          </a:p>
+          <a:p>
+            <a:pPr marL="745200" lvl="0" indent="-457200">
+              <a:lnSpc>
+                <a:spcPct val="120000"/>
+              </a:lnSpc>
+              <a:spcBef>
+                <a:spcPts val="0"/>
+              </a:spcBef>
+              <a:buFont typeface="Wingdings" panose="05000000000000000000" pitchFamily="2" charset="2"/>
+              <a:buChar char="ü"/>
+            </a:pPr>
+            <a:r>
+              <a:rPr lang="en-US" sz="3000"/>
+              <a:t>Quản lý danh mục </a:t>
+            </a:r>
+            <a:r>
+              <a:rPr lang="en-US" sz="3000" smtClean="0"/>
+              <a:t>công </a:t>
+            </a:r>
+            <a:r>
+              <a:rPr lang="en-US" sz="3000"/>
+              <a:t>dụng của từng sản </a:t>
+            </a:r>
+            <a:r>
+              <a:rPr lang="en-US" sz="3000" smtClean="0"/>
+              <a:t>phẩm.</a:t>
+            </a:r>
+            <a:endParaRPr lang="vi-VN" sz="3000"/>
+          </a:p>
+          <a:p>
+            <a:pPr marL="745200" lvl="0" indent="-457200">
+              <a:lnSpc>
+                <a:spcPct val="120000"/>
+              </a:lnSpc>
+              <a:spcBef>
+                <a:spcPts val="0"/>
+              </a:spcBef>
+              <a:buFont typeface="Wingdings" panose="05000000000000000000" pitchFamily="2" charset="2"/>
+              <a:buChar char="ü"/>
+            </a:pPr>
+            <a:r>
+              <a:rPr lang="en-US" sz="3000"/>
+              <a:t>Quản lý danh mục </a:t>
+            </a:r>
+            <a:r>
+              <a:rPr lang="en-US" sz="3000" smtClean="0"/>
+              <a:t>nhân </a:t>
+            </a:r>
+            <a:r>
+              <a:rPr lang="en-US" sz="3000"/>
+              <a:t>viên </a:t>
+            </a:r>
+            <a:r>
+              <a:rPr lang="en-US" sz="3000" smtClean="0"/>
+              <a:t>phụ trách về nhóm </a:t>
+            </a:r>
+            <a:r>
+              <a:rPr lang="en-US" sz="3000"/>
+              <a:t>sản phẩm.</a:t>
+            </a:r>
+            <a:endParaRPr lang="vi-VN" sz="3000"/>
+          </a:p>
+          <a:p>
+            <a:pPr marL="745200" lvl="0" indent="-457200">
+              <a:lnSpc>
+                <a:spcPct val="120000"/>
+              </a:lnSpc>
+              <a:spcBef>
+                <a:spcPts val="0"/>
+              </a:spcBef>
+              <a:buFont typeface="Wingdings" panose="05000000000000000000" pitchFamily="2" charset="2"/>
+              <a:buChar char="ü"/>
+            </a:pPr>
+            <a:r>
+              <a:rPr lang="en-US" sz="3000"/>
+              <a:t>Quản lý danh mục thương hiệu </a:t>
+            </a:r>
+            <a:r>
+              <a:rPr lang="en-US" sz="3000" smtClean="0"/>
+              <a:t>nhà </a:t>
+            </a:r>
+            <a:r>
+              <a:rPr lang="en-US" sz="3000"/>
+              <a:t>sản xuất sản </a:t>
+            </a:r>
+            <a:r>
+              <a:rPr lang="en-US" sz="3000" smtClean="0"/>
+              <a:t>phẩm</a:t>
+            </a:r>
+            <a:endParaRPr lang="vi-VN" sz="3000"/>
           </a:p>
         </p:txBody>
       </p:sp>
     </p:spTree>
     <p:extLst>
       <p:ext uri="{BB962C8B-B14F-4D97-AF65-F5344CB8AC3E}">
-        <p14:creationId xmlns:p14="http://schemas.microsoft.com/office/powerpoint/2010/main" val="3938872292"/>
+        <p14:creationId xmlns:p14="http://schemas.microsoft.com/office/powerpoint/2010/main" val="1607594038"/>
       </p:ext>
     </p:extLst>
   </p:cSld>
@@ -5606,12 +5971,42 @@
             </a:pPr>
             <a:r>
               <a:rPr lang="en-US" sz="4000" b="1" smtClean="0"/>
-              <a:t>MÔ HÌNH VÀ KẾT QUẢ NGHIÊN CỨU</a:t>
+              <a:t>MÔ HÌNH</a:t>
             </a:r>
             <a:endParaRPr lang="vi-VN" sz="4000" b="1"/>
           </a:p>
         </p:txBody>
       </p:sp>
+      <p:pic>
+        <p:nvPicPr>
+          <p:cNvPr id="11" name="Picture 10"/>
+          <p:cNvPicPr>
+            <a:picLocks noChangeAspect="1"/>
+          </p:cNvPicPr>
+          <p:nvPr/>
+        </p:nvPicPr>
+        <p:blipFill>
+          <a:blip r:embed="rId3" cstate="print">
+            <a:extLst>
+              <a:ext uri="{28A0092B-C50C-407E-A947-70E740481C1C}">
+                <a14:useLocalDpi xmlns:a14="http://schemas.microsoft.com/office/drawing/2010/main" val="0"/>
+              </a:ext>
+            </a:extLst>
+          </a:blip>
+          <a:stretch>
+            <a:fillRect/>
+          </a:stretch>
+        </p:blipFill>
+        <p:spPr>
+          <a:xfrm>
+            <a:off x="4389612" y="1593407"/>
+            <a:ext cx="4579290" cy="5154037"/>
+          </a:xfrm>
+          <a:prstGeom prst="rect">
+            <a:avLst/>
+          </a:prstGeom>
+        </p:spPr>
+      </p:pic>
       <p:sp>
         <p:nvSpPr>
           <p:cNvPr id="12" name="Content Placeholder 11"/>
@@ -5627,40 +6022,123 @@
           <a:bodyPr/>
           <a:lstStyle/>
           <a:p>
-            <a:pPr>
-              <a:buFont typeface="Wingdings" panose="05000000000000000000" pitchFamily="2" charset="2"/>
-              <a:buChar char="q"/>
-            </a:pPr>
-            <a:r>
-              <a:rPr lang="vi-VN" smtClean="0"/>
-              <a:t> </a:t>
-            </a:r>
-            <a:r>
-              <a:rPr lang="vi-VN" b="1" smtClean="0"/>
-              <a:t>Mô </a:t>
-            </a:r>
-            <a:r>
-              <a:rPr lang="vi-VN" sz="3000" b="1" smtClean="0"/>
-              <a:t>hình</a:t>
-            </a:r>
-            <a:endParaRPr lang="vi-VN" sz="3000" b="1"/>
-          </a:p>
-          <a:p>
-            <a:pPr marL="745200" indent="-457200">
+            <a:pPr marL="0" indent="-457200">
               <a:lnSpc>
-                <a:spcPct val="150000"/>
+                <a:spcPct val="100000"/>
               </a:lnSpc>
               <a:spcBef>
                 <a:spcPts val="0"/>
               </a:spcBef>
               <a:buFont typeface="Wingdings" panose="05000000000000000000" pitchFamily="2" charset="2"/>
-              <a:buChar char="ü"/>
+              <a:buChar char="q"/>
             </a:pPr>
             <a:r>
+              <a:rPr lang="vi-VN" sz="3000" b="1" smtClean="0"/>
+              <a:t>Class Diagram</a:t>
+            </a:r>
+          </a:p>
+        </p:txBody>
+      </p:sp>
+    </p:spTree>
+    <p:extLst>
+      <p:ext uri="{BB962C8B-B14F-4D97-AF65-F5344CB8AC3E}">
+        <p14:creationId xmlns:p14="http://schemas.microsoft.com/office/powerpoint/2010/main" val="3938872292"/>
+      </p:ext>
+    </p:extLst>
+  </p:cSld>
+  <p:clrMapOvr>
+    <a:masterClrMapping/>
+  </p:clrMapOvr>
+  <p:timing>
+    <p:tnLst>
+      <p:par>
+        <p:cTn id="1" dur="indefinite" restart="never" nodeType="tmRoot"/>
+      </p:par>
+    </p:tnLst>
+  </p:timing>
+</p:sld>
+</file>
+
+<file path=ppt/slides/slide8.xml><?xml version="1.0" encoding="utf-8"?>
+<p:sld xmlns:a="http://schemas.openxmlformats.org/drawingml/2006/main" xmlns:r="http://schemas.openxmlformats.org/officeDocument/2006/relationships" xmlns:p="http://schemas.openxmlformats.org/presentationml/2006/main">
+  <p:cSld>
+    <p:spTree>
+      <p:nvGrpSpPr>
+        <p:cNvPr id="1" name=""/>
+        <p:cNvGrpSpPr/>
+        <p:nvPr/>
+      </p:nvGrpSpPr>
+      <p:grpSpPr>
+        <a:xfrm>
+          <a:off x="0" y="0"/>
+          <a:ext cx="0" cy="0"/>
+          <a:chOff x="0" y="0"/>
+          <a:chExt cx="0" cy="0"/>
+        </a:xfrm>
+      </p:grpSpPr>
+      <p:sp>
+        <p:nvSpPr>
+          <p:cNvPr id="2" name="Title 1"/>
+          <p:cNvSpPr>
+            <a:spLocks noGrp="1"/>
+          </p:cNvSpPr>
+          <p:nvPr>
+            <p:ph type="title"/>
+          </p:nvPr>
+        </p:nvSpPr>
+        <p:spPr/>
+        <p:txBody>
+          <a:bodyPr>
+            <a:normAutofit/>
+          </a:bodyPr>
+          <a:lstStyle/>
+          <a:p>
+            <a:pPr algn="ctr">
+              <a:lnSpc>
+                <a:spcPct val="100000"/>
+              </a:lnSpc>
+            </a:pPr>
+            <a:r>
+              <a:rPr lang="en-US" sz="4000" b="1" smtClean="0"/>
+              <a:t>MÔ HÌNH</a:t>
+            </a:r>
+            <a:endParaRPr lang="vi-VN" sz="4000" b="1"/>
+          </a:p>
+        </p:txBody>
+      </p:sp>
+      <p:sp>
+        <p:nvSpPr>
+          <p:cNvPr id="12" name="Content Placeholder 11"/>
+          <p:cNvSpPr>
+            <a:spLocks noGrp="1"/>
+          </p:cNvSpPr>
+          <p:nvPr>
+            <p:ph idx="1"/>
+          </p:nvPr>
+        </p:nvSpPr>
+        <p:spPr/>
+        <p:txBody>
+          <a:bodyPr>
+            <a:normAutofit/>
+          </a:bodyPr>
+          <a:lstStyle/>
+          <a:p>
+            <a:pPr>
+              <a:lnSpc>
+                <a:spcPct val="100000"/>
+              </a:lnSpc>
+              <a:buFont typeface="Wingdings" panose="05000000000000000000" pitchFamily="2" charset="2"/>
+              <a:buChar char="q"/>
+            </a:pPr>
+            <a:r>
               <a:rPr lang="vi-VN" sz="3000" smtClean="0"/>
+              <a:t> </a:t>
+            </a:r>
+            <a:r>
+              <a:rPr lang="vi-VN" sz="3000" b="1" smtClean="0"/>
               <a:t>Flow Chart</a:t>
             </a:r>
-            <a:endParaRPr lang="vi-VN" sz="3000" b="1" smtClean="0"/>
+            <a:endParaRPr lang="vi-VN" sz="3000" b="1"/>
           </a:p>
         </p:txBody>
       </p:sp>
@@ -5713,206 +6191,6 @@
 </p:sld>
 </file>
 
-<file path=ppt/slides/slide8.xml><?xml version="1.0" encoding="utf-8"?>
-<p:sld xmlns:a="http://schemas.openxmlformats.org/drawingml/2006/main" xmlns:r="http://schemas.openxmlformats.org/officeDocument/2006/relationships" xmlns:p="http://schemas.openxmlformats.org/presentationml/2006/main">
-  <p:cSld>
-    <p:spTree>
-      <p:nvGrpSpPr>
-        <p:cNvPr id="1" name=""/>
-        <p:cNvGrpSpPr/>
-        <p:nvPr/>
-      </p:nvGrpSpPr>
-      <p:grpSpPr>
-        <a:xfrm>
-          <a:off x="0" y="0"/>
-          <a:ext cx="0" cy="0"/>
-          <a:chOff x="0" y="0"/>
-          <a:chExt cx="0" cy="0"/>
-        </a:xfrm>
-      </p:grpSpPr>
-      <p:sp>
-        <p:nvSpPr>
-          <p:cNvPr id="2" name="Title 1"/>
-          <p:cNvSpPr>
-            <a:spLocks noGrp="1"/>
-          </p:cNvSpPr>
-          <p:nvPr>
-            <p:ph type="title"/>
-          </p:nvPr>
-        </p:nvSpPr>
-        <p:spPr/>
-        <p:txBody>
-          <a:bodyPr>
-            <a:normAutofit/>
-          </a:bodyPr>
-          <a:lstStyle/>
-          <a:p>
-            <a:pPr algn="ctr">
-              <a:lnSpc>
-                <a:spcPct val="100000"/>
-              </a:lnSpc>
-            </a:pPr>
-            <a:r>
-              <a:rPr lang="en-US" sz="4000" b="1" smtClean="0"/>
-              <a:t>MÔ HÌNH VÀ KẾT QUẢ NGHIÊN CỨU</a:t>
-            </a:r>
-            <a:endParaRPr lang="vi-VN" sz="4000" b="1"/>
-          </a:p>
-        </p:txBody>
-      </p:sp>
-      <p:sp>
-        <p:nvSpPr>
-          <p:cNvPr id="12" name="Content Placeholder 11"/>
-          <p:cNvSpPr>
-            <a:spLocks noGrp="1"/>
-          </p:cNvSpPr>
-          <p:nvPr>
-            <p:ph idx="1"/>
-          </p:nvPr>
-        </p:nvSpPr>
-        <p:spPr/>
-        <p:txBody>
-          <a:bodyPr/>
-          <a:lstStyle/>
-          <a:p>
-            <a:pPr>
-              <a:buFont typeface="Wingdings" panose="05000000000000000000" pitchFamily="2" charset="2"/>
-              <a:buChar char="q"/>
-            </a:pPr>
-            <a:r>
-              <a:rPr lang="vi-VN" smtClean="0"/>
-              <a:t> </a:t>
-            </a:r>
-            <a:r>
-              <a:rPr lang="vi-VN" b="1" smtClean="0"/>
-              <a:t>Kết quả nghiên cứu</a:t>
-            </a:r>
-          </a:p>
-          <a:p>
-            <a:pPr marL="673200" indent="-457200">
-              <a:lnSpc>
-                <a:spcPct val="150000"/>
-              </a:lnSpc>
-              <a:spcBef>
-                <a:spcPts val="0"/>
-              </a:spcBef>
-              <a:buFont typeface="Wingdings" panose="05000000000000000000" pitchFamily="2" charset="2"/>
-              <a:buChar char="ü"/>
-            </a:pPr>
-            <a:r>
-              <a:rPr lang="vi-VN" sz="3000"/>
-              <a:t>Ứng dụng ngôn ngữ C# và .Net Framework </a:t>
-            </a:r>
-            <a:r>
-              <a:rPr lang="vi-VN" sz="3000" smtClean="0"/>
-              <a:t>trên nền OOP</a:t>
-            </a:r>
-          </a:p>
-          <a:p>
-            <a:pPr marL="673200" indent="-457200">
-              <a:lnSpc>
-                <a:spcPct val="150000"/>
-              </a:lnSpc>
-              <a:spcBef>
-                <a:spcPts val="0"/>
-              </a:spcBef>
-              <a:buFont typeface="Wingdings" panose="05000000000000000000" pitchFamily="2" charset="2"/>
-              <a:buChar char="ü"/>
-            </a:pPr>
-            <a:r>
-              <a:rPr lang="vi-VN" sz="3000" smtClean="0"/>
-              <a:t>Xây </a:t>
-            </a:r>
-            <a:r>
-              <a:rPr lang="vi-VN" sz="3000"/>
-              <a:t>dựng thành công ứng </a:t>
-            </a:r>
-            <a:r>
-              <a:rPr lang="vi-VN" sz="3000" smtClean="0"/>
-              <a:t>dụng giao diện Console</a:t>
-            </a:r>
-            <a:endParaRPr lang="vi-VN" sz="3000"/>
-          </a:p>
-          <a:p>
-            <a:pPr marL="673200" indent="-457200">
-              <a:lnSpc>
-                <a:spcPct val="150000"/>
-              </a:lnSpc>
-              <a:spcBef>
-                <a:spcPts val="0"/>
-              </a:spcBef>
-              <a:buFont typeface="Wingdings" panose="05000000000000000000" pitchFamily="2" charset="2"/>
-              <a:buChar char="ü"/>
-            </a:pPr>
-            <a:r>
-              <a:rPr lang="vi-VN" sz="3000"/>
-              <a:t>Giải </a:t>
-            </a:r>
-            <a:r>
-              <a:rPr lang="vi-VN" sz="3000" smtClean="0"/>
-              <a:t>quyết các </a:t>
-            </a:r>
-            <a:r>
-              <a:rPr lang="vi-VN" sz="3000"/>
-              <a:t>yêu cầu chức </a:t>
-            </a:r>
-            <a:r>
-              <a:rPr lang="vi-VN" sz="3000" smtClean="0"/>
-              <a:t>năng đã đặt ra</a:t>
-            </a:r>
-          </a:p>
-          <a:p>
-            <a:pPr marL="673200" indent="-457200">
-              <a:lnSpc>
-                <a:spcPct val="150000"/>
-              </a:lnSpc>
-              <a:spcBef>
-                <a:spcPts val="0"/>
-              </a:spcBef>
-              <a:buFont typeface="Wingdings" panose="05000000000000000000" pitchFamily="2" charset="2"/>
-              <a:buChar char="ü"/>
-            </a:pPr>
-            <a:r>
-              <a:rPr lang="vi-VN" sz="3000" smtClean="0"/>
-              <a:t>Tích lũy kỹ năng và kinh nghiệp lập trình</a:t>
-            </a:r>
-            <a:endParaRPr lang="vi-VN" sz="3000"/>
-          </a:p>
-          <a:p>
-            <a:pPr marL="673200" indent="-457200">
-              <a:lnSpc>
-                <a:spcPct val="150000"/>
-              </a:lnSpc>
-              <a:spcBef>
-                <a:spcPts val="0"/>
-              </a:spcBef>
-              <a:buFont typeface="Wingdings" panose="05000000000000000000" pitchFamily="2" charset="2"/>
-              <a:buChar char="ü"/>
-            </a:pPr>
-            <a:endParaRPr lang="vi-VN" sz="3000" smtClean="0"/>
-          </a:p>
-        </p:txBody>
-      </p:sp>
-    </p:spTree>
-    <p:extLst>
-      <p:ext uri="{BB962C8B-B14F-4D97-AF65-F5344CB8AC3E}">
-        <p14:creationId xmlns:p14="http://schemas.microsoft.com/office/powerpoint/2010/main" val="1695831539"/>
-      </p:ext>
-    </p:extLst>
-  </p:cSld>
-  <p:clrMapOvr>
-    <a:masterClrMapping/>
-  </p:clrMapOvr>
-  <p:timing>
-    <p:tnLst>
-      <p:par>
-        <p:cTn id="1" dur="indefinite" restart="never" nodeType="tmRoot"/>
-      </p:par>
-    </p:tnLst>
-  </p:timing>
-</p:sld>
-</file>
-
 <file path=ppt/slides/slide9.xml><?xml version="1.0" encoding="utf-8"?>
 <p:sld xmlns:a="http://schemas.openxmlformats.org/drawingml/2006/main" xmlns:r="http://schemas.openxmlformats.org/officeDocument/2006/relationships" xmlns:p="http://schemas.openxmlformats.org/presentationml/2006/main">
   <p:cSld>
@@ -5951,13 +6229,10 @@
               <a:lnSpc>
                 <a:spcPct val="100000"/>
               </a:lnSpc>
-              <a:spcBef>
-                <a:spcPts val="0"/>
-              </a:spcBef>
             </a:pPr>
             <a:r>
               <a:rPr lang="en-US" sz="4000" b="1" smtClean="0"/>
-              <a:t>KẾT LUẬN VÀ HƯỚNG PHÁT TRIỂN</a:t>
+              <a:t>KẾT QUẢ NGHIÊN CỨU</a:t>
             </a:r>
             <a:endParaRPr lang="vi-VN" sz="4000" b="1"/>
           </a:p>
@@ -5973,19 +6248,15 @@
             <p:ph idx="1"/>
           </p:nvPr>
         </p:nvSpPr>
-        <p:spPr>
-          <a:xfrm>
-            <a:off x="838200" y="1825624"/>
-            <a:ext cx="10515600" cy="4964282"/>
-          </a:xfrm>
-        </p:spPr>
-        <p:txBody>
-          <a:bodyPr>
-            <a:normAutofit/>
-          </a:bodyPr>
+        <p:spPr/>
+        <p:txBody>
+          <a:bodyPr/>
           <a:lstStyle/>
           <a:p>
             <a:pPr>
+              <a:spcAft>
+                <a:spcPts val="1200"/>
+              </a:spcAft>
               <a:buFont typeface="Wingdings" panose="05000000000000000000" pitchFamily="2" charset="2"/>
               <a:buChar char="q"/>
             </a:pPr>
@@ -5995,7 +6266,7 @@
             </a:r>
             <a:r>
               <a:rPr lang="vi-VN" b="1" smtClean="0"/>
-              <a:t>Kết luận</a:t>
+              <a:t>Kết quả nghiên cứu</a:t>
             </a:r>
           </a:p>
           <a:p>
@@ -6010,8 +6281,12 @@
               <a:buChar char="ü"/>
             </a:pPr>
             <a:r>
+              <a:rPr lang="vi-VN" sz="3000"/>
+              <a:t>Ứng dụng ngôn ngữ C# và .Net Framework </a:t>
+            </a:r>
+            <a:r>
               <a:rPr lang="vi-VN" sz="3000" smtClean="0"/>
-              <a:t>Ứng dụng đáp ứng các yêu cầu chức năng</a:t>
+              <a:t>trên nền OOP</a:t>
             </a:r>
           </a:p>
           <a:p>
@@ -6027,8 +6302,17 @@
             </a:pPr>
             <a:r>
               <a:rPr lang="vi-VN" sz="3000" smtClean="0"/>
-              <a:t>Các thao tác hoạt động ổn định</a:t>
-            </a:r>
+              <a:t>Xây </a:t>
+            </a:r>
+            <a:r>
+              <a:rPr lang="vi-VN" sz="3000"/>
+              <a:t>dựng thành công ứng </a:t>
+            </a:r>
+            <a:r>
+              <a:rPr lang="vi-VN" sz="3000" smtClean="0"/>
+              <a:t>dụng giao diện Console</a:t>
+            </a:r>
+            <a:endParaRPr lang="vi-VN" sz="3000"/>
           </a:p>
           <a:p>
             <a:pPr marL="673200" indent="-457200">
@@ -6042,26 +6326,21 @@
               <a:buChar char="ü"/>
             </a:pPr>
             <a:r>
+              <a:rPr lang="vi-VN" sz="3000"/>
+              <a:t>Giải </a:t>
+            </a:r>
+            <a:r>
               <a:rPr lang="vi-VN" sz="3000" smtClean="0"/>
-              <a:t>Giao </a:t>
+              <a:t>quyết các </a:t>
             </a:r>
             <a:r>
               <a:rPr lang="vi-VN" sz="3000"/>
-              <a:t>diện kém </a:t>
-            </a:r>
-            <a:r>
-              <a:rPr lang="vi-VN" sz="3000"/>
-              <a:t>thân </a:t>
+              <a:t>yêu cầu chức </a:t>
             </a:r>
             <a:r>
               <a:rPr lang="vi-VN" sz="3000" smtClean="0"/>
-              <a:t>thiện, </a:t>
-            </a:r>
-            <a:r>
-              <a:rPr lang="vi-VN" sz="3000"/>
-              <a:t>khả năng tương tác hạn chế</a:t>
-            </a:r>
-            <a:endParaRPr lang="vi-VN" sz="3000" smtClean="0"/>
+              <a:t>năng đã đặt ra</a:t>
+            </a:r>
           </a:p>
           <a:p>
             <a:pPr marL="673200" indent="-457200">
@@ -6076,35 +6355,7 @@
             </a:pPr>
             <a:r>
               <a:rPr lang="vi-VN" sz="3000" smtClean="0"/>
-              <a:t>Khó </a:t>
-            </a:r>
-            <a:r>
-              <a:rPr lang="vi-VN" sz="3000"/>
-              <a:t>tiếp cận với </a:t>
-            </a:r>
-            <a:r>
-              <a:rPr lang="vi-VN" sz="3000"/>
-              <a:t>người </a:t>
-            </a:r>
-            <a:r>
-              <a:rPr lang="vi-VN" sz="3000" smtClean="0"/>
-              <a:t>dùng</a:t>
-            </a:r>
-          </a:p>
-          <a:p>
-            <a:pPr marL="673200" indent="-457200">
-              <a:lnSpc>
-                <a:spcPct val="150000"/>
-              </a:lnSpc>
-              <a:spcBef>
-                <a:spcPts val="0"/>
-              </a:spcBef>
-              <a:buFont typeface="Wingdings" panose="05000000000000000000" pitchFamily="2" charset="2"/>
-              <a:buChar char="ü"/>
-            </a:pPr>
-            <a:r>
-              <a:rPr lang="vi-VN" sz="3000" smtClean="0"/>
-              <a:t>Tính bảo mật thông tin thấp</a:t>
+              <a:t>Tích lũy kỹ năng và kinh nghiệp lập trình</a:t>
             </a:r>
             <a:endParaRPr lang="vi-VN" sz="3000"/>
           </a:p>
@@ -6126,7 +6377,7 @@
     </p:spTree>
     <p:extLst>
       <p:ext uri="{BB962C8B-B14F-4D97-AF65-F5344CB8AC3E}">
-        <p14:creationId xmlns:p14="http://schemas.microsoft.com/office/powerpoint/2010/main" val="3755467078"/>
+        <p14:creationId xmlns:p14="http://schemas.microsoft.com/office/powerpoint/2010/main" val="1695831539"/>
       </p:ext>
     </p:extLst>
   </p:cSld>

--- a/thesis/abs/CSN-PhamTheVinh-110122208-DA22TTC.pptx
+++ b/thesis/abs/CSN-PhamTheVinh-110122208-DA22TTC.pptx
@@ -4427,15 +4427,7 @@
             </a:pPr>
             <a:r>
               <a:rPr lang="vi-VN" sz="3000" smtClean="0"/>
-              <a:t>Giao diện </a:t>
-            </a:r>
-            <a:r>
-              <a:rPr lang="vi-VN" sz="3000" smtClean="0"/>
-              <a:t>của ứng </a:t>
-            </a:r>
-            <a:r>
-              <a:rPr lang="vi-VN" sz="3000" smtClean="0"/>
-              <a:t>dụng</a:t>
+              <a:t>Giao diện của ứng dụng</a:t>
             </a:r>
           </a:p>
         </p:txBody>
@@ -4590,8 +4582,20 @@
               <a:buChar char="ü"/>
             </a:pPr>
             <a:r>
+              <a:rPr lang="vi-VN" sz="3000"/>
+              <a:t>Ứng dụng đáp ứng các yêu cầu </a:t>
+            </a:r>
+            <a:r>
               <a:rPr lang="vi-VN" sz="3000" smtClean="0"/>
-              <a:t>Ứng dụng đáp ứng các yêu cầu chức năng</a:t>
+              <a:t>đã đặt </a:t>
+            </a:r>
+            <a:r>
+              <a:rPr lang="vi-VN" sz="3000"/>
+              <a:t>ra</a:t>
+            </a:r>
+            <a:r>
+              <a:rPr lang="vi-VN" sz="3000" smtClean="0"/>
+              <a:t>.</a:t>
             </a:r>
           </a:p>
           <a:p>
@@ -4606,8 +4610,12 @@
               <a:buChar char="ü"/>
             </a:pPr>
             <a:r>
+              <a:rPr lang="vi-VN" sz="3000"/>
+              <a:t>Ứng </a:t>
+            </a:r>
+            <a:r>
               <a:rPr lang="vi-VN" sz="3000" smtClean="0"/>
-              <a:t>Các thao tác hoạt động ổn định</a:t>
+              <a:t>dụng đơn giản và dễ sử dụng</a:t>
             </a:r>
           </a:p>
           <a:p>
@@ -4623,19 +4631,35 @@
             </a:pPr>
             <a:r>
               <a:rPr lang="vi-VN" sz="3000" smtClean="0"/>
-              <a:t>Giao </a:t>
+              <a:t>Đây </a:t>
             </a:r>
             <a:r>
               <a:rPr lang="vi-VN" sz="3000"/>
-              <a:t>diện kém thân </a:t>
+              <a:t>là </a:t>
             </a:r>
             <a:r>
               <a:rPr lang="vi-VN" sz="3000" smtClean="0"/>
-              <a:t>thiện, </a:t>
+              <a:t>cơ sở để </a:t>
             </a:r>
             <a:r>
               <a:rPr lang="vi-VN" sz="3000"/>
-              <a:t>khả năng tương tác hạn chế</a:t>
+              <a:t>phát triển các </a:t>
+            </a:r>
+            <a:r>
+              <a:rPr lang="vi-VN"/>
+              <a:t>ứng </a:t>
+            </a:r>
+            <a:r>
+              <a:rPr lang="vi-VN" smtClean="0"/>
+              <a:t>dụng </a:t>
+            </a:r>
+            <a:r>
+              <a:rPr lang="vi-VN" sz="3000" smtClean="0"/>
+              <a:t>phức </a:t>
+            </a:r>
+            <a:r>
+              <a:rPr lang="vi-VN" sz="3000"/>
+              <a:t>tạp hơn. </a:t>
             </a:r>
             <a:endParaRPr lang="vi-VN" sz="3000" smtClean="0"/>
           </a:p>
@@ -4652,15 +4676,23 @@
             </a:pPr>
             <a:r>
               <a:rPr lang="vi-VN" sz="3000" smtClean="0"/>
-              <a:t>Khó </a:t>
+              <a:t>Giao </a:t>
             </a:r>
             <a:r>
               <a:rPr lang="vi-VN" sz="3000"/>
-              <a:t>tiếp cận với người </a:t>
+              <a:t>diện kém thân </a:t>
             </a:r>
             <a:r>
               <a:rPr lang="vi-VN" sz="3000" smtClean="0"/>
-              <a:t>dùng</a:t>
+              <a:t>thiện, </a:t>
+            </a:r>
+            <a:r>
+              <a:rPr lang="vi-VN" sz="3000"/>
+              <a:t>khả năng tương tác hạn </a:t>
+            </a:r>
+            <a:r>
+              <a:rPr lang="vi-VN" sz="3000" smtClean="0"/>
+              <a:t>chế.</a:t>
             </a:r>
           </a:p>
           <a:p>
@@ -4676,7 +4708,7 @@
             </a:pPr>
             <a:r>
               <a:rPr lang="vi-VN" sz="3000" smtClean="0"/>
-              <a:t>Tính bảo mật thông tin thấp</a:t>
+              <a:t>Tính bảo mật thông tin thấp.</a:t>
             </a:r>
             <a:endParaRPr lang="vi-VN" sz="3000"/>
           </a:p>
@@ -4816,7 +4848,7 @@
             </a:pPr>
             <a:r>
               <a:rPr lang="vi-VN" sz="3000" smtClean="0"/>
-              <a:t>Chuyển sang giao diện đồ họa</a:t>
+              <a:t>Chuyển sang giao diện đồ họa.</a:t>
             </a:r>
           </a:p>
           <a:p>
@@ -4832,7 +4864,7 @@
             </a:pPr>
             <a:r>
               <a:rPr lang="vi-VN" sz="3000" smtClean="0"/>
-              <a:t>Lưu trữ thông tin vào cơ sở dữ liệu</a:t>
+              <a:t>Lưu trữ thông tin vào cơ sở dữ liệu.</a:t>
             </a:r>
             <a:endParaRPr lang="vi-VN" sz="3000"/>
           </a:p>
@@ -4849,7 +4881,7 @@
             </a:pPr>
             <a:r>
               <a:rPr lang="vi-VN" sz="3000" smtClean="0"/>
-              <a:t>Bổ sung tính năng tìm kiếm nâng cao </a:t>
+              <a:t>Bổ sung tính năng tìm kiếm nâng cao.</a:t>
             </a:r>
             <a:endParaRPr lang="vi-VN" sz="3000"/>
           </a:p>
@@ -4866,7 +4898,7 @@
             </a:pPr>
             <a:r>
               <a:rPr lang="vi-VN" sz="3000" smtClean="0"/>
-              <a:t>Phát triển chức năng nhắc nhở và thông báo</a:t>
+              <a:t>Phát triển chức năng nhắc nhở và thông báo.</a:t>
             </a:r>
           </a:p>
         </p:txBody>
@@ -5393,7 +5425,7 @@
         <p:spPr>
           <a:xfrm>
             <a:off x="982494" y="1825625"/>
-            <a:ext cx="10371306" cy="4351338"/>
+            <a:ext cx="10214042" cy="4351338"/>
           </a:xfrm>
         </p:spPr>
         <p:txBody>
@@ -5421,7 +5453,7 @@
             </a:r>
           </a:p>
           <a:p>
-            <a:pPr marL="745200" indent="-457200">
+            <a:pPr marL="745200" indent="-457200" algn="just">
               <a:lnSpc>
                 <a:spcPct val="120000"/>
               </a:lnSpc>
@@ -5437,7 +5469,7 @@
             </a:r>
           </a:p>
           <a:p>
-            <a:pPr marL="745200" indent="-457200">
+            <a:pPr marL="745200" indent="-457200" algn="just">
               <a:lnSpc>
                 <a:spcPct val="120000"/>
               </a:lnSpc>
@@ -5457,7 +5489,7 @@
             </a:r>
             <a:r>
               <a:rPr lang="vi-VN" sz="3000" smtClean="0"/>
-              <a:t>quản lý truyền thống đồng thời là cơ sở cho việc phát triển hệ thống quản lý cửa hàng ngày càng tối ưu và hiệu quả.</a:t>
+              <a:t>quản lý thủ công đồng thời là cơ sở cho việc phát triển hệ thống quản lý cửa hàng ngày càng tối ưu và hiệu quả.</a:t>
             </a:r>
           </a:p>
         </p:txBody>
@@ -6282,11 +6314,7 @@
             </a:pPr>
             <a:r>
               <a:rPr lang="vi-VN" sz="3000"/>
-              <a:t>Ứng dụng ngôn ngữ C# và .Net Framework </a:t>
-            </a:r>
-            <a:r>
-              <a:rPr lang="vi-VN" sz="3000" smtClean="0"/>
-              <a:t>trên nền OOP</a:t>
+              <a:t>Xây dựng thành công ứng dụng với giao diện dòng lệnh.</a:t>
             </a:r>
           </a:p>
           <a:p>
@@ -6301,18 +6329,9 @@
               <a:buChar char="ü"/>
             </a:pPr>
             <a:r>
-              <a:rPr lang="vi-VN" sz="3000" smtClean="0"/>
-              <a:t>Xây </a:t>
-            </a:r>
-            <a:r>
               <a:rPr lang="vi-VN" sz="3000"/>
-              <a:t>dựng thành công ứng </a:t>
-            </a:r>
-            <a:r>
-              <a:rPr lang="vi-VN" sz="3000" smtClean="0"/>
-              <a:t>dụng giao diện Console</a:t>
-            </a:r>
-            <a:endParaRPr lang="vi-VN" sz="3000"/>
+              <a:t>Hỗ trợ các chức năng cơ bản như nhập, xử lý và xuất dữ liệu.</a:t>
+            </a:r>
           </a:p>
           <a:p>
             <a:pPr marL="673200" indent="-457200">
@@ -6327,19 +6346,7 @@
             </a:pPr>
             <a:r>
               <a:rPr lang="vi-VN" sz="3000"/>
-              <a:t>Giải </a:t>
-            </a:r>
-            <a:r>
-              <a:rPr lang="vi-VN" sz="3000" smtClean="0"/>
-              <a:t>quyết các </a:t>
-            </a:r>
-            <a:r>
-              <a:rPr lang="vi-VN" sz="3000"/>
-              <a:t>yêu cầu chức </a:t>
-            </a:r>
-            <a:r>
-              <a:rPr lang="vi-VN" sz="3000" smtClean="0"/>
-              <a:t>năng đã đặt ra</a:t>
+              <a:t>Thời gian phản hồi thông tin nhanh.</a:t>
             </a:r>
           </a:p>
           <a:p>
@@ -6354,22 +6361,9 @@
               <a:buChar char="ü"/>
             </a:pPr>
             <a:r>
-              <a:rPr lang="vi-VN" sz="3000" smtClean="0"/>
-              <a:t>Tích lũy kỹ năng và kinh nghiệp lập trình</a:t>
-            </a:r>
-            <a:endParaRPr lang="vi-VN" sz="3000"/>
-          </a:p>
-          <a:p>
-            <a:pPr marL="673200" indent="-457200">
-              <a:lnSpc>
-                <a:spcPct val="150000"/>
-              </a:lnSpc>
-              <a:spcBef>
-                <a:spcPts val="0"/>
-              </a:spcBef>
-              <a:buFont typeface="Wingdings" panose="05000000000000000000" pitchFamily="2" charset="2"/>
-              <a:buChar char="ü"/>
-            </a:pPr>
+              <a:rPr lang="vi-VN" sz="3000"/>
+              <a:t>Hoạt động ổn định trong môi trường thực thi.</a:t>
+            </a:r>
             <a:endParaRPr lang="vi-VN" sz="3000" smtClean="0"/>
           </a:p>
         </p:txBody>

--- a/thesis/abs/CSN-PhamTheVinh-110122208-DA22TTC.pptx
+++ b/thesis/abs/CSN-PhamTheVinh-110122208-DA22TTC.pptx
@@ -209,7 +209,7 @@
           <a:p>
             <a:fld id="{99DE3781-6464-4166-9117-F22CC446FEC6}" type="datetimeFigureOut">
               <a:rPr lang="vi-VN" smtClean="0"/>
-              <a:t>01/01/2025</a:t>
+              <a:t>08/01/2025</a:t>
             </a:fld>
             <a:endParaRPr lang="vi-VN"/>
           </a:p>
@@ -1196,7 +1196,7 @@
           <a:p>
             <a:fld id="{9A41B56A-32E6-445F-B440-40B15412FE4E}" type="datetimeFigureOut">
               <a:rPr lang="vi-VN" smtClean="0"/>
-              <a:t>01/01/2025</a:t>
+              <a:t>08/01/2025</a:t>
             </a:fld>
             <a:endParaRPr lang="vi-VN"/>
           </a:p>
@@ -1366,7 +1366,7 @@
           <a:p>
             <a:fld id="{9A41B56A-32E6-445F-B440-40B15412FE4E}" type="datetimeFigureOut">
               <a:rPr lang="vi-VN" smtClean="0"/>
-              <a:t>01/01/2025</a:t>
+              <a:t>08/01/2025</a:t>
             </a:fld>
             <a:endParaRPr lang="vi-VN"/>
           </a:p>
@@ -1546,7 +1546,7 @@
           <a:p>
             <a:fld id="{9A41B56A-32E6-445F-B440-40B15412FE4E}" type="datetimeFigureOut">
               <a:rPr lang="vi-VN" smtClean="0"/>
-              <a:t>01/01/2025</a:t>
+              <a:t>08/01/2025</a:t>
             </a:fld>
             <a:endParaRPr lang="vi-VN"/>
           </a:p>
@@ -1716,7 +1716,7 @@
           <a:p>
             <a:fld id="{9A41B56A-32E6-445F-B440-40B15412FE4E}" type="datetimeFigureOut">
               <a:rPr lang="vi-VN" smtClean="0"/>
-              <a:t>01/01/2025</a:t>
+              <a:t>08/01/2025</a:t>
             </a:fld>
             <a:endParaRPr lang="vi-VN"/>
           </a:p>
@@ -1962,7 +1962,7 @@
           <a:p>
             <a:fld id="{9A41B56A-32E6-445F-B440-40B15412FE4E}" type="datetimeFigureOut">
               <a:rPr lang="vi-VN" smtClean="0"/>
-              <a:t>01/01/2025</a:t>
+              <a:t>08/01/2025</a:t>
             </a:fld>
             <a:endParaRPr lang="vi-VN"/>
           </a:p>
@@ -2194,7 +2194,7 @@
           <a:p>
             <a:fld id="{9A41B56A-32E6-445F-B440-40B15412FE4E}" type="datetimeFigureOut">
               <a:rPr lang="vi-VN" smtClean="0"/>
-              <a:t>01/01/2025</a:t>
+              <a:t>08/01/2025</a:t>
             </a:fld>
             <a:endParaRPr lang="vi-VN"/>
           </a:p>
@@ -2561,7 +2561,7 @@
           <a:p>
             <a:fld id="{9A41B56A-32E6-445F-B440-40B15412FE4E}" type="datetimeFigureOut">
               <a:rPr lang="vi-VN" smtClean="0"/>
-              <a:t>01/01/2025</a:t>
+              <a:t>08/01/2025</a:t>
             </a:fld>
             <a:endParaRPr lang="vi-VN"/>
           </a:p>
@@ -2679,7 +2679,7 @@
           <a:p>
             <a:fld id="{9A41B56A-32E6-445F-B440-40B15412FE4E}" type="datetimeFigureOut">
               <a:rPr lang="vi-VN" smtClean="0"/>
-              <a:t>01/01/2025</a:t>
+              <a:t>08/01/2025</a:t>
             </a:fld>
             <a:endParaRPr lang="vi-VN"/>
           </a:p>
@@ -2774,7 +2774,7 @@
           <a:p>
             <a:fld id="{9A41B56A-32E6-445F-B440-40B15412FE4E}" type="datetimeFigureOut">
               <a:rPr lang="vi-VN" smtClean="0"/>
-              <a:t>01/01/2025</a:t>
+              <a:t>08/01/2025</a:t>
             </a:fld>
             <a:endParaRPr lang="vi-VN"/>
           </a:p>
@@ -3051,7 +3051,7 @@
           <a:p>
             <a:fld id="{9A41B56A-32E6-445F-B440-40B15412FE4E}" type="datetimeFigureOut">
               <a:rPr lang="vi-VN" smtClean="0"/>
-              <a:t>01/01/2025</a:t>
+              <a:t>08/01/2025</a:t>
             </a:fld>
             <a:endParaRPr lang="vi-VN"/>
           </a:p>
@@ -3304,7 +3304,7 @@
           <a:p>
             <a:fld id="{9A41B56A-32E6-445F-B440-40B15412FE4E}" type="datetimeFigureOut">
               <a:rPr lang="vi-VN" smtClean="0"/>
-              <a:t>01/01/2025</a:t>
+              <a:t>08/01/2025</a:t>
             </a:fld>
             <a:endParaRPr lang="vi-VN"/>
           </a:p>
@@ -3526,7 +3526,7 @@
           <a:p>
             <a:fld id="{9A41B56A-32E6-445F-B440-40B15412FE4E}" type="datetimeFigureOut">
               <a:rPr lang="vi-VN" smtClean="0"/>
-              <a:t>01/01/2025</a:t>
+              <a:t>08/01/2025</a:t>
             </a:fld>
             <a:endParaRPr lang="vi-VN"/>
           </a:p>
@@ -4216,7 +4216,7 @@
         <p:spPr>
           <a:xfrm>
             <a:off x="3488987" y="369085"/>
-            <a:ext cx="5214026" cy="954107"/>
+            <a:ext cx="5214026" cy="830997"/>
           </a:xfrm>
           <a:prstGeom prst="rect">
             <a:avLst/>
@@ -4231,22 +4231,22 @@
           <a:p>
             <a:pPr algn="ctr"/>
             <a:r>
-              <a:rPr lang="en-US" sz="2800" b="1"/>
+              <a:rPr lang="en-US" sz="2400" b="1"/>
               <a:t>KHOA KỸ THUẬT VÀ CÔNG NGHỆ</a:t>
             </a:r>
-            <a:endParaRPr lang="vi-VN" sz="2800" b="1"/>
+            <a:endParaRPr lang="vi-VN" sz="2400" b="1"/>
           </a:p>
           <a:p>
             <a:pPr algn="ctr"/>
             <a:r>
-              <a:rPr lang="en-US" sz="2800" b="1"/>
+              <a:rPr lang="en-US" sz="2400" b="1"/>
               <a:t>BỘ MÔN CÔNG NGHỆ THÔNG </a:t>
             </a:r>
             <a:r>
-              <a:rPr lang="en-US" sz="2800" b="1" smtClean="0"/>
+              <a:rPr lang="en-US" sz="2400" b="1" smtClean="0"/>
               <a:t>TIN</a:t>
             </a:r>
-            <a:endParaRPr lang="vi-VN" sz="2800" b="1"/>
+            <a:endParaRPr lang="vi-VN" sz="2400" b="1"/>
           </a:p>
         </p:txBody>
       </p:sp>

--- a/thesis/abs/CSN-PhamTheVinh-110122208-DA22TTC.pptx
+++ b/thesis/abs/CSN-PhamTheVinh-110122208-DA22TTC.pptx
@@ -209,7 +209,7 @@
           <a:p>
             <a:fld id="{99DE3781-6464-4166-9117-F22CC446FEC6}" type="datetimeFigureOut">
               <a:rPr lang="vi-VN" smtClean="0"/>
-              <a:t>08/01/2025</a:t>
+              <a:t>16/01/2025</a:t>
             </a:fld>
             <a:endParaRPr lang="vi-VN"/>
           </a:p>
@@ -1196,7 +1196,7 @@
           <a:p>
             <a:fld id="{9A41B56A-32E6-445F-B440-40B15412FE4E}" type="datetimeFigureOut">
               <a:rPr lang="vi-VN" smtClean="0"/>
-              <a:t>08/01/2025</a:t>
+              <a:t>16/01/2025</a:t>
             </a:fld>
             <a:endParaRPr lang="vi-VN"/>
           </a:p>
@@ -1366,7 +1366,7 @@
           <a:p>
             <a:fld id="{9A41B56A-32E6-445F-B440-40B15412FE4E}" type="datetimeFigureOut">
               <a:rPr lang="vi-VN" smtClean="0"/>
-              <a:t>08/01/2025</a:t>
+              <a:t>16/01/2025</a:t>
             </a:fld>
             <a:endParaRPr lang="vi-VN"/>
           </a:p>
@@ -1546,7 +1546,7 @@
           <a:p>
             <a:fld id="{9A41B56A-32E6-445F-B440-40B15412FE4E}" type="datetimeFigureOut">
               <a:rPr lang="vi-VN" smtClean="0"/>
-              <a:t>08/01/2025</a:t>
+              <a:t>16/01/2025</a:t>
             </a:fld>
             <a:endParaRPr lang="vi-VN"/>
           </a:p>
@@ -1716,7 +1716,7 @@
           <a:p>
             <a:fld id="{9A41B56A-32E6-445F-B440-40B15412FE4E}" type="datetimeFigureOut">
               <a:rPr lang="vi-VN" smtClean="0"/>
-              <a:t>08/01/2025</a:t>
+              <a:t>16/01/2025</a:t>
             </a:fld>
             <a:endParaRPr lang="vi-VN"/>
           </a:p>
@@ -1962,7 +1962,7 @@
           <a:p>
             <a:fld id="{9A41B56A-32E6-445F-B440-40B15412FE4E}" type="datetimeFigureOut">
               <a:rPr lang="vi-VN" smtClean="0"/>
-              <a:t>08/01/2025</a:t>
+              <a:t>16/01/2025</a:t>
             </a:fld>
             <a:endParaRPr lang="vi-VN"/>
           </a:p>
@@ -2194,7 +2194,7 @@
           <a:p>
             <a:fld id="{9A41B56A-32E6-445F-B440-40B15412FE4E}" type="datetimeFigureOut">
               <a:rPr lang="vi-VN" smtClean="0"/>
-              <a:t>08/01/2025</a:t>
+              <a:t>16/01/2025</a:t>
             </a:fld>
             <a:endParaRPr lang="vi-VN"/>
           </a:p>
@@ -2561,7 +2561,7 @@
           <a:p>
             <a:fld id="{9A41B56A-32E6-445F-B440-40B15412FE4E}" type="datetimeFigureOut">
               <a:rPr lang="vi-VN" smtClean="0"/>
-              <a:t>08/01/2025</a:t>
+              <a:t>16/01/2025</a:t>
             </a:fld>
             <a:endParaRPr lang="vi-VN"/>
           </a:p>
@@ -2679,7 +2679,7 @@
           <a:p>
             <a:fld id="{9A41B56A-32E6-445F-B440-40B15412FE4E}" type="datetimeFigureOut">
               <a:rPr lang="vi-VN" smtClean="0"/>
-              <a:t>08/01/2025</a:t>
+              <a:t>16/01/2025</a:t>
             </a:fld>
             <a:endParaRPr lang="vi-VN"/>
           </a:p>
@@ -2774,7 +2774,7 @@
           <a:p>
             <a:fld id="{9A41B56A-32E6-445F-B440-40B15412FE4E}" type="datetimeFigureOut">
               <a:rPr lang="vi-VN" smtClean="0"/>
-              <a:t>08/01/2025</a:t>
+              <a:t>16/01/2025</a:t>
             </a:fld>
             <a:endParaRPr lang="vi-VN"/>
           </a:p>
@@ -3051,7 +3051,7 @@
           <a:p>
             <a:fld id="{9A41B56A-32E6-445F-B440-40B15412FE4E}" type="datetimeFigureOut">
               <a:rPr lang="vi-VN" smtClean="0"/>
-              <a:t>08/01/2025</a:t>
+              <a:t>16/01/2025</a:t>
             </a:fld>
             <a:endParaRPr lang="vi-VN"/>
           </a:p>
@@ -3304,7 +3304,7 @@
           <a:p>
             <a:fld id="{9A41B56A-32E6-445F-B440-40B15412FE4E}" type="datetimeFigureOut">
               <a:rPr lang="vi-VN" smtClean="0"/>
-              <a:t>08/01/2025</a:t>
+              <a:t>16/01/2025</a:t>
             </a:fld>
             <a:endParaRPr lang="vi-VN"/>
           </a:p>
@@ -3526,7 +3526,7 @@
           <a:p>
             <a:fld id="{9A41B56A-32E6-445F-B440-40B15412FE4E}" type="datetimeFigureOut">
               <a:rPr lang="vi-VN" smtClean="0"/>
-              <a:t>08/01/2025</a:t>
+              <a:t>16/01/2025</a:t>
             </a:fld>
             <a:endParaRPr lang="vi-VN"/>
           </a:p>
@@ -4615,8 +4615,13 @@
             </a:r>
             <a:r>
               <a:rPr lang="vi-VN" sz="3000" smtClean="0"/>
-              <a:t>dụng đơn giản và dễ sử dụng</a:t>
-            </a:r>
+              <a:t>dụng đơn giản và dễ sử </a:t>
+            </a:r>
+            <a:r>
+              <a:rPr lang="vi-VN" sz="3000" smtClean="0"/>
+              <a:t>dụng.</a:t>
+            </a:r>
+            <a:endParaRPr lang="vi-VN" sz="3000" smtClean="0"/>
           </a:p>
           <a:p>
             <a:pPr marL="673200" indent="-457200">
@@ -4881,7 +4886,15 @@
             </a:pPr>
             <a:r>
               <a:rPr lang="vi-VN" sz="3000" smtClean="0"/>
-              <a:t>Bổ sung tính năng tìm kiếm nâng cao.</a:t>
+              <a:t>Bổ sung tính năng </a:t>
+            </a:r>
+            <a:r>
+              <a:rPr lang="vi-VN" sz="3000" smtClean="0"/>
+              <a:t>nâng </a:t>
+            </a:r>
+            <a:r>
+              <a:rPr lang="vi-VN" sz="3000" smtClean="0"/>
+              <a:t>cao.</a:t>
             </a:r>
             <a:endParaRPr lang="vi-VN" sz="3000"/>
           </a:p>
@@ -6330,8 +6343,13 @@
             </a:pPr>
             <a:r>
               <a:rPr lang="vi-VN" sz="3000"/>
-              <a:t>Hỗ trợ các chức năng cơ bản như nhập, xử lý và xuất dữ liệu.</a:t>
-            </a:r>
+              <a:t>Hỗ trợ các chức năng cơ bản như </a:t>
+            </a:r>
+            <a:r>
+              <a:rPr lang="vi-VN" sz="3000" smtClean="0"/>
+              <a:t>thêm, sửa, xóa, tìm kiếm.</a:t>
+            </a:r>
+            <a:endParaRPr lang="vi-VN" sz="3000"/>
           </a:p>
           <a:p>
             <a:pPr marL="673200" indent="-457200">
